--- a/2019/python/day2-review.pptx
+++ b/2019/python/day2-review.pptx
@@ -5,7 +5,7 @@
     <p:sldMasterId id="2147483648" r:id="rId1"/>
   </p:sldMasterIdLst>
   <p:notesMasterIdLst>
-    <p:notesMasterId r:id="rId12"/>
+    <p:notesMasterId r:id="rId15"/>
   </p:notesMasterIdLst>
   <p:sldIdLst>
     <p:sldId id="257" r:id="rId2"/>
@@ -16,8 +16,11 @@
     <p:sldId id="264" r:id="rId7"/>
     <p:sldId id="271" r:id="rId8"/>
     <p:sldId id="274" r:id="rId9"/>
-    <p:sldId id="275" r:id="rId10"/>
-    <p:sldId id="272" r:id="rId11"/>
+    <p:sldId id="277" r:id="rId10"/>
+    <p:sldId id="278" r:id="rId11"/>
+    <p:sldId id="280" r:id="rId12"/>
+    <p:sldId id="275" r:id="rId13"/>
+    <p:sldId id="272" r:id="rId14"/>
   </p:sldIdLst>
   <p:sldSz cx="9144000" cy="6858000" type="screen4x3"/>
   <p:notesSz cx="6858000" cy="9144000"/>
@@ -118,7 +121,7 @@
   </p:defaultTextStyle>
   <p:extLst>
     <p:ext uri="{EFAFB233-063F-42B5-8137-9DF3F51BA10A}">
-      <p15:sldGuideLst xmlns:p15="http://schemas.microsoft.com/office/powerpoint/2012/main" xmlns="">
+      <p15:sldGuideLst xmlns:p15="http://schemas.microsoft.com/office/powerpoint/2012/main">
         <p15:guide id="1" orient="horz" pos="2160">
           <p15:clr>
             <a:srgbClr val="A4A3A4"/>
@@ -217,7 +220,7 @@
           <a:p>
             <a:fld id="{91BDCAE1-DC13-3545-841A-A4DBCAED93AF}" type="datetimeFigureOut">
               <a:rPr lang="en-US" smtClean="0"/>
-              <a:t>6/5/18</a:t>
+              <a:t>5/28/19</a:t>
             </a:fld>
             <a:endParaRPr lang="en-US"/>
           </a:p>
@@ -281,38 +284,37 @@
           <a:p>
             <a:pPr lvl="0"/>
             <a:r>
-              <a:rPr lang="en-US" smtClean="0"/>
+              <a:rPr lang="en-US"/>
               <a:t>Click to edit Master text styles</a:t>
             </a:r>
           </a:p>
           <a:p>
             <a:pPr lvl="1"/>
             <a:r>
-              <a:rPr lang="en-US" smtClean="0"/>
+              <a:rPr lang="en-US"/>
               <a:t>Second level</a:t>
             </a:r>
           </a:p>
           <a:p>
             <a:pPr lvl="2"/>
             <a:r>
-              <a:rPr lang="en-US" smtClean="0"/>
+              <a:rPr lang="en-US"/>
               <a:t>Third level</a:t>
             </a:r>
           </a:p>
           <a:p>
             <a:pPr lvl="3"/>
             <a:r>
-              <a:rPr lang="en-US" smtClean="0"/>
+              <a:rPr lang="en-US"/>
               <a:t>Fourth level</a:t>
             </a:r>
           </a:p>
           <a:p>
             <a:pPr lvl="4"/>
             <a:r>
-              <a:rPr lang="en-US" smtClean="0"/>
+              <a:rPr lang="en-US"/>
               <a:t>Fifth level</a:t>
             </a:r>
-            <a:endParaRPr lang="en-US"/>
           </a:p>
         </p:txBody>
       </p:sp>
@@ -707,7 +709,7 @@
     </p:spTree>
     <p:extLst>
       <p:ext uri="{BB962C8B-B14F-4D97-AF65-F5344CB8AC3E}">
-        <p14:creationId xmlns:p14="http://schemas.microsoft.com/office/powerpoint/2010/main" val="2384900118"/>
+        <p14:creationId xmlns:p14="http://schemas.microsoft.com/office/powerpoint/2010/main" val="2683496183"/>
       </p:ext>
     </p:extLst>
   </p:cSld>
@@ -717,7 +719,7 @@
 </p:notes>
 </file>
 
-<file path=ppt/notesSlides/notesSlide2.xml><?xml version="1.0" encoding="utf-8"?>
+<file path=ppt/notesSlides/notesSlide11.xml><?xml version="1.0" encoding="utf-8"?>
 <p:notes xmlns:a="http://schemas.openxmlformats.org/drawingml/2006/main" xmlns:r="http://schemas.openxmlformats.org/officeDocument/2006/relationships" xmlns:p="http://schemas.openxmlformats.org/presentationml/2006/main" showMasterSp="0" showMasterPhAnim="0">
   <p:cSld>
     <p:spTree>
@@ -823,7 +825,7 @@
     </p:spTree>
     <p:extLst>
       <p:ext uri="{BB962C8B-B14F-4D97-AF65-F5344CB8AC3E}">
-        <p14:creationId xmlns:p14="http://schemas.microsoft.com/office/powerpoint/2010/main" val="1753150728"/>
+        <p14:creationId xmlns:p14="http://schemas.microsoft.com/office/powerpoint/2010/main" val="3012793609"/>
       </p:ext>
     </p:extLst>
   </p:cSld>
@@ -833,7 +835,7 @@
 </p:notes>
 </file>
 
-<file path=ppt/notesSlides/notesSlide3.xml><?xml version="1.0" encoding="utf-8"?>
+<file path=ppt/notesSlides/notesSlide12.xml><?xml version="1.0" encoding="utf-8"?>
 <p:notes xmlns:a="http://schemas.openxmlformats.org/drawingml/2006/main" xmlns:r="http://schemas.openxmlformats.org/officeDocument/2006/relationships" xmlns:p="http://schemas.openxmlformats.org/presentationml/2006/main" showMasterSp="0" showMasterPhAnim="0">
   <p:cSld>
     <p:spTree>
@@ -939,7 +941,7 @@
     </p:spTree>
     <p:extLst>
       <p:ext uri="{BB962C8B-B14F-4D97-AF65-F5344CB8AC3E}">
-        <p14:creationId xmlns:p14="http://schemas.microsoft.com/office/powerpoint/2010/main" val="447221675"/>
+        <p14:creationId xmlns:p14="http://schemas.microsoft.com/office/powerpoint/2010/main" val="1603460421"/>
       </p:ext>
     </p:extLst>
   </p:cSld>
@@ -949,7 +951,7 @@
 </p:notes>
 </file>
 
-<file path=ppt/notesSlides/notesSlide4.xml><?xml version="1.0" encoding="utf-8"?>
+<file path=ppt/notesSlides/notesSlide13.xml><?xml version="1.0" encoding="utf-8"?>
 <p:notes xmlns:a="http://schemas.openxmlformats.org/drawingml/2006/main" xmlns:r="http://schemas.openxmlformats.org/officeDocument/2006/relationships" xmlns:p="http://schemas.openxmlformats.org/presentationml/2006/main" showMasterSp="0" showMasterPhAnim="0">
   <p:cSld>
     <p:spTree>
@@ -1055,7 +1057,7 @@
     </p:spTree>
     <p:extLst>
       <p:ext uri="{BB962C8B-B14F-4D97-AF65-F5344CB8AC3E}">
-        <p14:creationId xmlns:p14="http://schemas.microsoft.com/office/powerpoint/2010/main" val="3578302259"/>
+        <p14:creationId xmlns:p14="http://schemas.microsoft.com/office/powerpoint/2010/main" val="2384900118"/>
       </p:ext>
     </p:extLst>
   </p:cSld>
@@ -1065,7 +1067,7 @@
 </p:notes>
 </file>
 
-<file path=ppt/notesSlides/notesSlide5.xml><?xml version="1.0" encoding="utf-8"?>
+<file path=ppt/notesSlides/notesSlide2.xml><?xml version="1.0" encoding="utf-8"?>
 <p:notes xmlns:a="http://schemas.openxmlformats.org/drawingml/2006/main" xmlns:r="http://schemas.openxmlformats.org/officeDocument/2006/relationships" xmlns:p="http://schemas.openxmlformats.org/presentationml/2006/main" showMasterSp="0" showMasterPhAnim="0">
   <p:cSld>
     <p:spTree>
@@ -1171,7 +1173,7 @@
     </p:spTree>
     <p:extLst>
       <p:ext uri="{BB962C8B-B14F-4D97-AF65-F5344CB8AC3E}">
-        <p14:creationId xmlns:p14="http://schemas.microsoft.com/office/powerpoint/2010/main" val="3124371085"/>
+        <p14:creationId xmlns:p14="http://schemas.microsoft.com/office/powerpoint/2010/main" val="1753150728"/>
       </p:ext>
     </p:extLst>
   </p:cSld>
@@ -1181,7 +1183,7 @@
 </p:notes>
 </file>
 
-<file path=ppt/notesSlides/notesSlide6.xml><?xml version="1.0" encoding="utf-8"?>
+<file path=ppt/notesSlides/notesSlide3.xml><?xml version="1.0" encoding="utf-8"?>
 <p:notes xmlns:a="http://schemas.openxmlformats.org/drawingml/2006/main" xmlns:r="http://schemas.openxmlformats.org/officeDocument/2006/relationships" xmlns:p="http://schemas.openxmlformats.org/presentationml/2006/main" showMasterSp="0" showMasterPhAnim="0">
   <p:cSld>
     <p:spTree>
@@ -1287,7 +1289,7 @@
     </p:spTree>
     <p:extLst>
       <p:ext uri="{BB962C8B-B14F-4D97-AF65-F5344CB8AC3E}">
-        <p14:creationId xmlns:p14="http://schemas.microsoft.com/office/powerpoint/2010/main" val="1945498219"/>
+        <p14:creationId xmlns:p14="http://schemas.microsoft.com/office/powerpoint/2010/main" val="447221675"/>
       </p:ext>
     </p:extLst>
   </p:cSld>
@@ -1297,7 +1299,7 @@
 </p:notes>
 </file>
 
-<file path=ppt/notesSlides/notesSlide7.xml><?xml version="1.0" encoding="utf-8"?>
+<file path=ppt/notesSlides/notesSlide4.xml><?xml version="1.0" encoding="utf-8"?>
 <p:notes xmlns:a="http://schemas.openxmlformats.org/drawingml/2006/main" xmlns:r="http://schemas.openxmlformats.org/officeDocument/2006/relationships" xmlns:p="http://schemas.openxmlformats.org/presentationml/2006/main" showMasterSp="0" showMasterPhAnim="0">
   <p:cSld>
     <p:spTree>
@@ -1403,7 +1405,7 @@
     </p:spTree>
     <p:extLst>
       <p:ext uri="{BB962C8B-B14F-4D97-AF65-F5344CB8AC3E}">
-        <p14:creationId xmlns:p14="http://schemas.microsoft.com/office/powerpoint/2010/main" val="1603460421"/>
+        <p14:creationId xmlns:p14="http://schemas.microsoft.com/office/powerpoint/2010/main" val="3578302259"/>
       </p:ext>
     </p:extLst>
   </p:cSld>
@@ -1413,7 +1415,7 @@
 </p:notes>
 </file>
 
-<file path=ppt/notesSlides/notesSlide8.xml><?xml version="1.0" encoding="utf-8"?>
+<file path=ppt/notesSlides/notesSlide5.xml><?xml version="1.0" encoding="utf-8"?>
 <p:notes xmlns:a="http://schemas.openxmlformats.org/drawingml/2006/main" xmlns:r="http://schemas.openxmlformats.org/officeDocument/2006/relationships" xmlns:p="http://schemas.openxmlformats.org/presentationml/2006/main" showMasterSp="0" showMasterPhAnim="0">
   <p:cSld>
     <p:spTree>
@@ -1519,7 +1521,7 @@
     </p:spTree>
     <p:extLst>
       <p:ext uri="{BB962C8B-B14F-4D97-AF65-F5344CB8AC3E}">
-        <p14:creationId xmlns:p14="http://schemas.microsoft.com/office/powerpoint/2010/main" val="1603460421"/>
+        <p14:creationId xmlns:p14="http://schemas.microsoft.com/office/powerpoint/2010/main" val="3124371085"/>
       </p:ext>
     </p:extLst>
   </p:cSld>
@@ -1529,7 +1531,7 @@
 </p:notes>
 </file>
 
-<file path=ppt/notesSlides/notesSlide9.xml><?xml version="1.0" encoding="utf-8"?>
+<file path=ppt/notesSlides/notesSlide6.xml><?xml version="1.0" encoding="utf-8"?>
 <p:notes xmlns:a="http://schemas.openxmlformats.org/drawingml/2006/main" xmlns:r="http://schemas.openxmlformats.org/officeDocument/2006/relationships" xmlns:p="http://schemas.openxmlformats.org/presentationml/2006/main" showMasterSp="0" showMasterPhAnim="0">
   <p:cSld>
     <p:spTree>
@@ -1635,7 +1637,355 @@
     </p:spTree>
     <p:extLst>
       <p:ext uri="{BB962C8B-B14F-4D97-AF65-F5344CB8AC3E}">
+        <p14:creationId xmlns:p14="http://schemas.microsoft.com/office/powerpoint/2010/main" val="1945498219"/>
+      </p:ext>
+    </p:extLst>
+  </p:cSld>
+  <p:clrMapOvr>
+    <a:masterClrMapping/>
+  </p:clrMapOvr>
+</p:notes>
+</file>
+
+<file path=ppt/notesSlides/notesSlide7.xml><?xml version="1.0" encoding="utf-8"?>
+<p:notes xmlns:a="http://schemas.openxmlformats.org/drawingml/2006/main" xmlns:r="http://schemas.openxmlformats.org/officeDocument/2006/relationships" xmlns:p="http://schemas.openxmlformats.org/presentationml/2006/main" showMasterSp="0" showMasterPhAnim="0">
+  <p:cSld>
+    <p:spTree>
+      <p:nvGrpSpPr>
+        <p:cNvPr id="1" name="Shape 31"/>
+        <p:cNvGrpSpPr/>
+        <p:nvPr/>
+      </p:nvGrpSpPr>
+      <p:grpSpPr>
+        <a:xfrm>
+          <a:off x="0" y="0"/>
+          <a:ext cx="0" cy="0"/>
+          <a:chOff x="0" y="0"/>
+          <a:chExt cx="0" cy="0"/>
+        </a:xfrm>
+      </p:grpSpPr>
+      <p:sp>
+        <p:nvSpPr>
+          <p:cNvPr id="32" name="Shape 32"/>
+          <p:cNvSpPr>
+            <a:spLocks noGrp="1" noRot="1" noChangeAspect="1"/>
+          </p:cNvSpPr>
+          <p:nvPr>
+            <p:ph type="sldImg" idx="2"/>
+          </p:nvPr>
+        </p:nvSpPr>
+        <p:spPr>
+          <a:xfrm>
+            <a:off x="1143000" y="685800"/>
+            <a:ext cx="4572000" cy="3429000"/>
+          </a:xfrm>
+          <a:custGeom>
+            <a:avLst/>
+            <a:gdLst/>
+            <a:ahLst/>
+            <a:cxnLst/>
+            <a:rect l="0" t="0" r="0" b="0"/>
+            <a:pathLst>
+              <a:path w="120000" h="120000" extrusionOk="0">
+                <a:moveTo>
+                  <a:pt x="0" y="0"/>
+                </a:moveTo>
+                <a:lnTo>
+                  <a:pt x="120000" y="0"/>
+                </a:lnTo>
+                <a:lnTo>
+                  <a:pt x="120000" y="120000"/>
+                </a:lnTo>
+                <a:lnTo>
+                  <a:pt x="0" y="120000"/>
+                </a:lnTo>
+                <a:close/>
+              </a:path>
+            </a:pathLst>
+          </a:custGeom>
+          <a:noFill/>
+          <a:ln w="9525" cap="flat">
+            <a:solidFill>
+              <a:srgbClr val="000000"/>
+            </a:solidFill>
+            <a:prstDash val="solid"/>
+            <a:round/>
+            <a:headEnd type="none" w="med" len="med"/>
+            <a:tailEnd type="none" w="med" len="med"/>
+          </a:ln>
+        </p:spPr>
+      </p:sp>
+      <p:sp>
+        <p:nvSpPr>
+          <p:cNvPr id="33" name="Shape 33"/>
+          <p:cNvSpPr txBox="1">
+            <a:spLocks noGrp="1"/>
+          </p:cNvSpPr>
+          <p:nvPr>
+            <p:ph type="body" idx="1"/>
+          </p:nvPr>
+        </p:nvSpPr>
+        <p:spPr>
+          <a:xfrm>
+            <a:off x="685800" y="4343400"/>
+            <a:ext cx="5486399" cy="4114800"/>
+          </a:xfrm>
+          <a:prstGeom prst="rect">
+            <a:avLst/>
+          </a:prstGeom>
+        </p:spPr>
+        <p:txBody>
+          <a:bodyPr lIns="91425" tIns="91425" rIns="91425" bIns="91425" anchor="t" anchorCtr="0">
+            <a:noAutofit/>
+          </a:bodyPr>
+          <a:lstStyle/>
+          <a:p>
+            <a:pPr>
+              <a:spcBef>
+                <a:spcPts val="0"/>
+              </a:spcBef>
+              <a:buNone/>
+            </a:pPr>
+            <a:endParaRPr/>
+          </a:p>
+        </p:txBody>
+      </p:sp>
+    </p:spTree>
+    <p:extLst>
+      <p:ext uri="{BB962C8B-B14F-4D97-AF65-F5344CB8AC3E}">
         <p14:creationId xmlns:p14="http://schemas.microsoft.com/office/powerpoint/2010/main" val="1603460421"/>
+      </p:ext>
+    </p:extLst>
+  </p:cSld>
+  <p:clrMapOvr>
+    <a:masterClrMapping/>
+  </p:clrMapOvr>
+</p:notes>
+</file>
+
+<file path=ppt/notesSlides/notesSlide8.xml><?xml version="1.0" encoding="utf-8"?>
+<p:notes xmlns:a="http://schemas.openxmlformats.org/drawingml/2006/main" xmlns:r="http://schemas.openxmlformats.org/officeDocument/2006/relationships" xmlns:p="http://schemas.openxmlformats.org/presentationml/2006/main" showMasterSp="0" showMasterPhAnim="0">
+  <p:cSld>
+    <p:spTree>
+      <p:nvGrpSpPr>
+        <p:cNvPr id="1" name="Shape 31"/>
+        <p:cNvGrpSpPr/>
+        <p:nvPr/>
+      </p:nvGrpSpPr>
+      <p:grpSpPr>
+        <a:xfrm>
+          <a:off x="0" y="0"/>
+          <a:ext cx="0" cy="0"/>
+          <a:chOff x="0" y="0"/>
+          <a:chExt cx="0" cy="0"/>
+        </a:xfrm>
+      </p:grpSpPr>
+      <p:sp>
+        <p:nvSpPr>
+          <p:cNvPr id="32" name="Shape 32"/>
+          <p:cNvSpPr>
+            <a:spLocks noGrp="1" noRot="1" noChangeAspect="1"/>
+          </p:cNvSpPr>
+          <p:nvPr>
+            <p:ph type="sldImg" idx="2"/>
+          </p:nvPr>
+        </p:nvSpPr>
+        <p:spPr>
+          <a:xfrm>
+            <a:off x="1143000" y="685800"/>
+            <a:ext cx="4572000" cy="3429000"/>
+          </a:xfrm>
+          <a:custGeom>
+            <a:avLst/>
+            <a:gdLst/>
+            <a:ahLst/>
+            <a:cxnLst/>
+            <a:rect l="0" t="0" r="0" b="0"/>
+            <a:pathLst>
+              <a:path w="120000" h="120000" extrusionOk="0">
+                <a:moveTo>
+                  <a:pt x="0" y="0"/>
+                </a:moveTo>
+                <a:lnTo>
+                  <a:pt x="120000" y="0"/>
+                </a:lnTo>
+                <a:lnTo>
+                  <a:pt x="120000" y="120000"/>
+                </a:lnTo>
+                <a:lnTo>
+                  <a:pt x="0" y="120000"/>
+                </a:lnTo>
+                <a:close/>
+              </a:path>
+            </a:pathLst>
+          </a:custGeom>
+          <a:noFill/>
+          <a:ln w="9525" cap="flat">
+            <a:solidFill>
+              <a:srgbClr val="000000"/>
+            </a:solidFill>
+            <a:prstDash val="solid"/>
+            <a:round/>
+            <a:headEnd type="none" w="med" len="med"/>
+            <a:tailEnd type="none" w="med" len="med"/>
+          </a:ln>
+        </p:spPr>
+      </p:sp>
+      <p:sp>
+        <p:nvSpPr>
+          <p:cNvPr id="33" name="Shape 33"/>
+          <p:cNvSpPr txBox="1">
+            <a:spLocks noGrp="1"/>
+          </p:cNvSpPr>
+          <p:nvPr>
+            <p:ph type="body" idx="1"/>
+          </p:nvPr>
+        </p:nvSpPr>
+        <p:spPr>
+          <a:xfrm>
+            <a:off x="685800" y="4343400"/>
+            <a:ext cx="5486399" cy="4114800"/>
+          </a:xfrm>
+          <a:prstGeom prst="rect">
+            <a:avLst/>
+          </a:prstGeom>
+        </p:spPr>
+        <p:txBody>
+          <a:bodyPr lIns="91425" tIns="91425" rIns="91425" bIns="91425" anchor="t" anchorCtr="0">
+            <a:noAutofit/>
+          </a:bodyPr>
+          <a:lstStyle/>
+          <a:p>
+            <a:pPr>
+              <a:spcBef>
+                <a:spcPts val="0"/>
+              </a:spcBef>
+              <a:buNone/>
+            </a:pPr>
+            <a:endParaRPr/>
+          </a:p>
+        </p:txBody>
+      </p:sp>
+    </p:spTree>
+    <p:extLst>
+      <p:ext uri="{BB962C8B-B14F-4D97-AF65-F5344CB8AC3E}">
+        <p14:creationId xmlns:p14="http://schemas.microsoft.com/office/powerpoint/2010/main" val="1603460421"/>
+      </p:ext>
+    </p:extLst>
+  </p:cSld>
+  <p:clrMapOvr>
+    <a:masterClrMapping/>
+  </p:clrMapOvr>
+</p:notes>
+</file>
+
+<file path=ppt/notesSlides/notesSlide9.xml><?xml version="1.0" encoding="utf-8"?>
+<p:notes xmlns:a="http://schemas.openxmlformats.org/drawingml/2006/main" xmlns:r="http://schemas.openxmlformats.org/officeDocument/2006/relationships" xmlns:p="http://schemas.openxmlformats.org/presentationml/2006/main" showMasterSp="0" showMasterPhAnim="0">
+  <p:cSld>
+    <p:spTree>
+      <p:nvGrpSpPr>
+        <p:cNvPr id="1" name="Shape 31"/>
+        <p:cNvGrpSpPr/>
+        <p:nvPr/>
+      </p:nvGrpSpPr>
+      <p:grpSpPr>
+        <a:xfrm>
+          <a:off x="0" y="0"/>
+          <a:ext cx="0" cy="0"/>
+          <a:chOff x="0" y="0"/>
+          <a:chExt cx="0" cy="0"/>
+        </a:xfrm>
+      </p:grpSpPr>
+      <p:sp>
+        <p:nvSpPr>
+          <p:cNvPr id="32" name="Shape 32"/>
+          <p:cNvSpPr>
+            <a:spLocks noGrp="1" noRot="1" noChangeAspect="1"/>
+          </p:cNvSpPr>
+          <p:nvPr>
+            <p:ph type="sldImg" idx="2"/>
+          </p:nvPr>
+        </p:nvSpPr>
+        <p:spPr>
+          <a:xfrm>
+            <a:off x="1143000" y="685800"/>
+            <a:ext cx="4572000" cy="3429000"/>
+          </a:xfrm>
+          <a:custGeom>
+            <a:avLst/>
+            <a:gdLst/>
+            <a:ahLst/>
+            <a:cxnLst/>
+            <a:rect l="0" t="0" r="0" b="0"/>
+            <a:pathLst>
+              <a:path w="120000" h="120000" extrusionOk="0">
+                <a:moveTo>
+                  <a:pt x="0" y="0"/>
+                </a:moveTo>
+                <a:lnTo>
+                  <a:pt x="120000" y="0"/>
+                </a:lnTo>
+                <a:lnTo>
+                  <a:pt x="120000" y="120000"/>
+                </a:lnTo>
+                <a:lnTo>
+                  <a:pt x="0" y="120000"/>
+                </a:lnTo>
+                <a:close/>
+              </a:path>
+            </a:pathLst>
+          </a:custGeom>
+          <a:noFill/>
+          <a:ln w="9525" cap="flat">
+            <a:solidFill>
+              <a:srgbClr val="000000"/>
+            </a:solidFill>
+            <a:prstDash val="solid"/>
+            <a:round/>
+            <a:headEnd type="none" w="med" len="med"/>
+            <a:tailEnd type="none" w="med" len="med"/>
+          </a:ln>
+        </p:spPr>
+      </p:sp>
+      <p:sp>
+        <p:nvSpPr>
+          <p:cNvPr id="33" name="Shape 33"/>
+          <p:cNvSpPr txBox="1">
+            <a:spLocks noGrp="1"/>
+          </p:cNvSpPr>
+          <p:nvPr>
+            <p:ph type="body" idx="1"/>
+          </p:nvPr>
+        </p:nvSpPr>
+        <p:spPr>
+          <a:xfrm>
+            <a:off x="685800" y="4343400"/>
+            <a:ext cx="5486399" cy="4114800"/>
+          </a:xfrm>
+          <a:prstGeom prst="rect">
+            <a:avLst/>
+          </a:prstGeom>
+        </p:spPr>
+        <p:txBody>
+          <a:bodyPr lIns="91425" tIns="91425" rIns="91425" bIns="91425" anchor="t" anchorCtr="0">
+            <a:noAutofit/>
+          </a:bodyPr>
+          <a:lstStyle/>
+          <a:p>
+            <a:pPr>
+              <a:spcBef>
+                <a:spcPts val="0"/>
+              </a:spcBef>
+              <a:buNone/>
+            </a:pPr>
+            <a:endParaRPr/>
+          </a:p>
+        </p:txBody>
+      </p:sp>
+    </p:spTree>
+    <p:extLst>
+      <p:ext uri="{BB962C8B-B14F-4D97-AF65-F5344CB8AC3E}">
+        <p14:creationId xmlns:p14="http://schemas.microsoft.com/office/powerpoint/2010/main" val="3845928344"/>
       </p:ext>
     </p:extLst>
   </p:cSld>
@@ -1683,10 +2033,9 @@
           <a:lstStyle/>
           <a:p>
             <a:r>
-              <a:rPr lang="en-US" smtClean="0"/>
+              <a:rPr lang="en-US"/>
               <a:t>Click to edit Master title style</a:t>
             </a:r>
-            <a:endParaRPr lang="en-US"/>
           </a:p>
         </p:txBody>
       </p:sp>
@@ -1802,10 +2151,9 @@
           </a:lstStyle>
           <a:p>
             <a:r>
-              <a:rPr lang="en-US" smtClean="0"/>
+              <a:rPr lang="en-US"/>
               <a:t>Click to edit Master subtitle style</a:t>
             </a:r>
-            <a:endParaRPr lang="en-US"/>
           </a:p>
         </p:txBody>
       </p:sp>
@@ -1826,7 +2174,7 @@
           <a:p>
             <a:fld id="{7C780E36-1438-D74D-8D9C-3089FABA7E39}" type="datetimeFigureOut">
               <a:rPr lang="en-US" smtClean="0"/>
-              <a:t>6/5/18</a:t>
+              <a:t>5/28/19</a:t>
             </a:fld>
             <a:endParaRPr lang="en-US"/>
           </a:p>
@@ -1920,10 +2268,9 @@
           <a:lstStyle/>
           <a:p>
             <a:r>
-              <a:rPr lang="en-US" smtClean="0"/>
+              <a:rPr lang="en-US"/>
               <a:t>Click to edit Master title style</a:t>
             </a:r>
-            <a:endParaRPr lang="en-US"/>
           </a:p>
         </p:txBody>
       </p:sp>
@@ -1944,38 +2291,37 @@
           <a:p>
             <a:pPr lvl="0"/>
             <a:r>
-              <a:rPr lang="en-US" smtClean="0"/>
+              <a:rPr lang="en-US"/>
               <a:t>Click to edit Master text styles</a:t>
             </a:r>
           </a:p>
           <a:p>
             <a:pPr lvl="1"/>
             <a:r>
-              <a:rPr lang="en-US" smtClean="0"/>
+              <a:rPr lang="en-US"/>
               <a:t>Second level</a:t>
             </a:r>
           </a:p>
           <a:p>
             <a:pPr lvl="2"/>
             <a:r>
-              <a:rPr lang="en-US" smtClean="0"/>
+              <a:rPr lang="en-US"/>
               <a:t>Third level</a:t>
             </a:r>
           </a:p>
           <a:p>
             <a:pPr lvl="3"/>
             <a:r>
-              <a:rPr lang="en-US" smtClean="0"/>
+              <a:rPr lang="en-US"/>
               <a:t>Fourth level</a:t>
             </a:r>
           </a:p>
           <a:p>
             <a:pPr lvl="4"/>
             <a:r>
-              <a:rPr lang="en-US" smtClean="0"/>
+              <a:rPr lang="en-US"/>
               <a:t>Fifth level</a:t>
             </a:r>
-            <a:endParaRPr lang="en-US"/>
           </a:p>
         </p:txBody>
       </p:sp>
@@ -1996,7 +2342,7 @@
           <a:p>
             <a:fld id="{7C780E36-1438-D74D-8D9C-3089FABA7E39}" type="datetimeFigureOut">
               <a:rPr lang="en-US" smtClean="0"/>
-              <a:t>6/5/18</a:t>
+              <a:t>5/28/19</a:t>
             </a:fld>
             <a:endParaRPr lang="en-US"/>
           </a:p>
@@ -2095,10 +2441,9 @@
           <a:lstStyle/>
           <a:p>
             <a:r>
-              <a:rPr lang="en-US" smtClean="0"/>
+              <a:rPr lang="en-US"/>
               <a:t>Click to edit Master title style</a:t>
             </a:r>
-            <a:endParaRPr lang="en-US"/>
           </a:p>
         </p:txBody>
       </p:sp>
@@ -2124,38 +2469,37 @@
           <a:p>
             <a:pPr lvl="0"/>
             <a:r>
-              <a:rPr lang="en-US" smtClean="0"/>
+              <a:rPr lang="en-US"/>
               <a:t>Click to edit Master text styles</a:t>
             </a:r>
           </a:p>
           <a:p>
             <a:pPr lvl="1"/>
             <a:r>
-              <a:rPr lang="en-US" smtClean="0"/>
+              <a:rPr lang="en-US"/>
               <a:t>Second level</a:t>
             </a:r>
           </a:p>
           <a:p>
             <a:pPr lvl="2"/>
             <a:r>
-              <a:rPr lang="en-US" smtClean="0"/>
+              <a:rPr lang="en-US"/>
               <a:t>Third level</a:t>
             </a:r>
           </a:p>
           <a:p>
             <a:pPr lvl="3"/>
             <a:r>
-              <a:rPr lang="en-US" smtClean="0"/>
+              <a:rPr lang="en-US"/>
               <a:t>Fourth level</a:t>
             </a:r>
           </a:p>
           <a:p>
             <a:pPr lvl="4"/>
             <a:r>
-              <a:rPr lang="en-US" smtClean="0"/>
+              <a:rPr lang="en-US"/>
               <a:t>Fifth level</a:t>
             </a:r>
-            <a:endParaRPr lang="en-US"/>
           </a:p>
         </p:txBody>
       </p:sp>
@@ -2176,7 +2520,7 @@
           <a:p>
             <a:fld id="{7C780E36-1438-D74D-8D9C-3089FABA7E39}" type="datetimeFigureOut">
               <a:rPr lang="en-US" smtClean="0"/>
-              <a:t>6/5/18</a:t>
+              <a:t>5/28/19</a:t>
             </a:fld>
             <a:endParaRPr lang="en-US"/>
           </a:p>
@@ -2575,10 +2919,9 @@
           <a:lstStyle/>
           <a:p>
             <a:r>
-              <a:rPr lang="en-US" smtClean="0"/>
+              <a:rPr lang="en-US"/>
               <a:t>Click to edit Master title style</a:t>
             </a:r>
-            <a:endParaRPr lang="en-US"/>
           </a:p>
         </p:txBody>
       </p:sp>
@@ -2599,38 +2942,37 @@
           <a:p>
             <a:pPr lvl="0"/>
             <a:r>
-              <a:rPr lang="en-US" smtClean="0"/>
+              <a:rPr lang="en-US"/>
               <a:t>Click to edit Master text styles</a:t>
             </a:r>
           </a:p>
           <a:p>
             <a:pPr lvl="1"/>
             <a:r>
-              <a:rPr lang="en-US" smtClean="0"/>
+              <a:rPr lang="en-US"/>
               <a:t>Second level</a:t>
             </a:r>
           </a:p>
           <a:p>
             <a:pPr lvl="2"/>
             <a:r>
-              <a:rPr lang="en-US" smtClean="0"/>
+              <a:rPr lang="en-US"/>
               <a:t>Third level</a:t>
             </a:r>
           </a:p>
           <a:p>
             <a:pPr lvl="3"/>
             <a:r>
-              <a:rPr lang="en-US" smtClean="0"/>
+              <a:rPr lang="en-US"/>
               <a:t>Fourth level</a:t>
             </a:r>
           </a:p>
           <a:p>
             <a:pPr lvl="4"/>
             <a:r>
-              <a:rPr lang="en-US" smtClean="0"/>
+              <a:rPr lang="en-US"/>
               <a:t>Fifth level</a:t>
             </a:r>
-            <a:endParaRPr lang="en-US"/>
           </a:p>
         </p:txBody>
       </p:sp>
@@ -2651,7 +2993,7 @@
           <a:p>
             <a:fld id="{7C780E36-1438-D74D-8D9C-3089FABA7E39}" type="datetimeFigureOut">
               <a:rPr lang="en-US" smtClean="0"/>
-              <a:t>6/5/18</a:t>
+              <a:t>5/28/19</a:t>
             </a:fld>
             <a:endParaRPr lang="en-US"/>
           </a:p>
@@ -2754,10 +3096,9 @@
           </a:lstStyle>
           <a:p>
             <a:r>
-              <a:rPr lang="en-US" smtClean="0"/>
+              <a:rPr lang="en-US"/>
               <a:t>Click to edit Master title style</a:t>
             </a:r>
-            <a:endParaRPr lang="en-US"/>
           </a:p>
         </p:txBody>
       </p:sp>
@@ -2874,7 +3215,7 @@
           <a:p>
             <a:pPr lvl="0"/>
             <a:r>
-              <a:rPr lang="en-US" smtClean="0"/>
+              <a:rPr lang="en-US"/>
               <a:t>Click to edit Master text styles</a:t>
             </a:r>
           </a:p>
@@ -2897,7 +3238,7 @@
           <a:p>
             <a:fld id="{7C780E36-1438-D74D-8D9C-3089FABA7E39}" type="datetimeFigureOut">
               <a:rPr lang="en-US" smtClean="0"/>
-              <a:t>6/5/18</a:t>
+              <a:t>5/28/19</a:t>
             </a:fld>
             <a:endParaRPr lang="en-US"/>
           </a:p>
@@ -2991,10 +3332,9 @@
           <a:lstStyle/>
           <a:p>
             <a:r>
-              <a:rPr lang="en-US" smtClean="0"/>
+              <a:rPr lang="en-US"/>
               <a:t>Click to edit Master title style</a:t>
             </a:r>
-            <a:endParaRPr lang="en-US"/>
           </a:p>
         </p:txBody>
       </p:sp>
@@ -3048,38 +3388,37 @@
           <a:p>
             <a:pPr lvl="0"/>
             <a:r>
-              <a:rPr lang="en-US" smtClean="0"/>
+              <a:rPr lang="en-US"/>
               <a:t>Click to edit Master text styles</a:t>
             </a:r>
           </a:p>
           <a:p>
             <a:pPr lvl="1"/>
             <a:r>
-              <a:rPr lang="en-US" smtClean="0"/>
+              <a:rPr lang="en-US"/>
               <a:t>Second level</a:t>
             </a:r>
           </a:p>
           <a:p>
             <a:pPr lvl="2"/>
             <a:r>
-              <a:rPr lang="en-US" smtClean="0"/>
+              <a:rPr lang="en-US"/>
               <a:t>Third level</a:t>
             </a:r>
           </a:p>
           <a:p>
             <a:pPr lvl="3"/>
             <a:r>
-              <a:rPr lang="en-US" smtClean="0"/>
+              <a:rPr lang="en-US"/>
               <a:t>Fourth level</a:t>
             </a:r>
           </a:p>
           <a:p>
             <a:pPr lvl="4"/>
             <a:r>
-              <a:rPr lang="en-US" smtClean="0"/>
+              <a:rPr lang="en-US"/>
               <a:t>Fifth level</a:t>
             </a:r>
-            <a:endParaRPr lang="en-US"/>
           </a:p>
         </p:txBody>
       </p:sp>
@@ -3133,38 +3472,37 @@
           <a:p>
             <a:pPr lvl="0"/>
             <a:r>
-              <a:rPr lang="en-US" smtClean="0"/>
+              <a:rPr lang="en-US"/>
               <a:t>Click to edit Master text styles</a:t>
             </a:r>
           </a:p>
           <a:p>
             <a:pPr lvl="1"/>
             <a:r>
-              <a:rPr lang="en-US" smtClean="0"/>
+              <a:rPr lang="en-US"/>
               <a:t>Second level</a:t>
             </a:r>
           </a:p>
           <a:p>
             <a:pPr lvl="2"/>
             <a:r>
-              <a:rPr lang="en-US" smtClean="0"/>
+              <a:rPr lang="en-US"/>
               <a:t>Third level</a:t>
             </a:r>
           </a:p>
           <a:p>
             <a:pPr lvl="3"/>
             <a:r>
-              <a:rPr lang="en-US" smtClean="0"/>
+              <a:rPr lang="en-US"/>
               <a:t>Fourth level</a:t>
             </a:r>
           </a:p>
           <a:p>
             <a:pPr lvl="4"/>
             <a:r>
-              <a:rPr lang="en-US" smtClean="0"/>
+              <a:rPr lang="en-US"/>
               <a:t>Fifth level</a:t>
             </a:r>
-            <a:endParaRPr lang="en-US"/>
           </a:p>
         </p:txBody>
       </p:sp>
@@ -3185,7 +3523,7 @@
           <a:p>
             <a:fld id="{7C780E36-1438-D74D-8D9C-3089FABA7E39}" type="datetimeFigureOut">
               <a:rPr lang="en-US" smtClean="0"/>
-              <a:t>6/5/18</a:t>
+              <a:t>5/28/19</a:t>
             </a:fld>
             <a:endParaRPr lang="en-US"/>
           </a:p>
@@ -3283,10 +3621,9 @@
           </a:lstStyle>
           <a:p>
             <a:r>
-              <a:rPr lang="en-US" smtClean="0"/>
+              <a:rPr lang="en-US"/>
               <a:t>Click to edit Master title style</a:t>
             </a:r>
-            <a:endParaRPr lang="en-US"/>
           </a:p>
         </p:txBody>
       </p:sp>
@@ -3349,7 +3686,7 @@
           <a:p>
             <a:pPr lvl="0"/>
             <a:r>
-              <a:rPr lang="en-US" smtClean="0"/>
+              <a:rPr lang="en-US"/>
               <a:t>Click to edit Master text styles</a:t>
             </a:r>
           </a:p>
@@ -3405,38 +3742,37 @@
           <a:p>
             <a:pPr lvl="0"/>
             <a:r>
-              <a:rPr lang="en-US" smtClean="0"/>
+              <a:rPr lang="en-US"/>
               <a:t>Click to edit Master text styles</a:t>
             </a:r>
           </a:p>
           <a:p>
             <a:pPr lvl="1"/>
             <a:r>
-              <a:rPr lang="en-US" smtClean="0"/>
+              <a:rPr lang="en-US"/>
               <a:t>Second level</a:t>
             </a:r>
           </a:p>
           <a:p>
             <a:pPr lvl="2"/>
             <a:r>
-              <a:rPr lang="en-US" smtClean="0"/>
+              <a:rPr lang="en-US"/>
               <a:t>Third level</a:t>
             </a:r>
           </a:p>
           <a:p>
             <a:pPr lvl="3"/>
             <a:r>
-              <a:rPr lang="en-US" smtClean="0"/>
+              <a:rPr lang="en-US"/>
               <a:t>Fourth level</a:t>
             </a:r>
           </a:p>
           <a:p>
             <a:pPr lvl="4"/>
             <a:r>
-              <a:rPr lang="en-US" smtClean="0"/>
+              <a:rPr lang="en-US"/>
               <a:t>Fifth level</a:t>
             </a:r>
-            <a:endParaRPr lang="en-US"/>
           </a:p>
         </p:txBody>
       </p:sp>
@@ -3499,7 +3835,7 @@
           <a:p>
             <a:pPr lvl="0"/>
             <a:r>
-              <a:rPr lang="en-US" smtClean="0"/>
+              <a:rPr lang="en-US"/>
               <a:t>Click to edit Master text styles</a:t>
             </a:r>
           </a:p>
@@ -3555,38 +3891,37 @@
           <a:p>
             <a:pPr lvl="0"/>
             <a:r>
-              <a:rPr lang="en-US" smtClean="0"/>
+              <a:rPr lang="en-US"/>
               <a:t>Click to edit Master text styles</a:t>
             </a:r>
           </a:p>
           <a:p>
             <a:pPr lvl="1"/>
             <a:r>
-              <a:rPr lang="en-US" smtClean="0"/>
+              <a:rPr lang="en-US"/>
               <a:t>Second level</a:t>
             </a:r>
           </a:p>
           <a:p>
             <a:pPr lvl="2"/>
             <a:r>
-              <a:rPr lang="en-US" smtClean="0"/>
+              <a:rPr lang="en-US"/>
               <a:t>Third level</a:t>
             </a:r>
           </a:p>
           <a:p>
             <a:pPr lvl="3"/>
             <a:r>
-              <a:rPr lang="en-US" smtClean="0"/>
+              <a:rPr lang="en-US"/>
               <a:t>Fourth level</a:t>
             </a:r>
           </a:p>
           <a:p>
             <a:pPr lvl="4"/>
             <a:r>
-              <a:rPr lang="en-US" smtClean="0"/>
+              <a:rPr lang="en-US"/>
               <a:t>Fifth level</a:t>
             </a:r>
-            <a:endParaRPr lang="en-US"/>
           </a:p>
         </p:txBody>
       </p:sp>
@@ -3607,7 +3942,7 @@
           <a:p>
             <a:fld id="{7C780E36-1438-D74D-8D9C-3089FABA7E39}" type="datetimeFigureOut">
               <a:rPr lang="en-US" smtClean="0"/>
-              <a:t>6/5/18</a:t>
+              <a:t>5/28/19</a:t>
             </a:fld>
             <a:endParaRPr lang="en-US"/>
           </a:p>
@@ -3701,10 +4036,9 @@
           <a:lstStyle/>
           <a:p>
             <a:r>
-              <a:rPr lang="en-US" smtClean="0"/>
+              <a:rPr lang="en-US"/>
               <a:t>Click to edit Master title style</a:t>
             </a:r>
-            <a:endParaRPr lang="en-US"/>
           </a:p>
         </p:txBody>
       </p:sp>
@@ -3725,7 +4059,7 @@
           <a:p>
             <a:fld id="{7C780E36-1438-D74D-8D9C-3089FABA7E39}" type="datetimeFigureOut">
               <a:rPr lang="en-US" smtClean="0"/>
-              <a:t>6/5/18</a:t>
+              <a:t>5/28/19</a:t>
             </a:fld>
             <a:endParaRPr lang="en-US"/>
           </a:p>
@@ -3820,7 +4154,7 @@
           <a:p>
             <a:fld id="{7C780E36-1438-D74D-8D9C-3089FABA7E39}" type="datetimeFigureOut">
               <a:rPr lang="en-US" smtClean="0"/>
-              <a:t>6/5/18</a:t>
+              <a:t>5/28/19</a:t>
             </a:fld>
             <a:endParaRPr lang="en-US"/>
           </a:p>
@@ -3923,10 +4257,9 @@
           </a:lstStyle>
           <a:p>
             <a:r>
-              <a:rPr lang="en-US" smtClean="0"/>
+              <a:rPr lang="en-US"/>
               <a:t>Click to edit Master title style</a:t>
             </a:r>
-            <a:endParaRPr lang="en-US"/>
           </a:p>
         </p:txBody>
       </p:sp>
@@ -3980,38 +4313,37 @@
           <a:p>
             <a:pPr lvl="0"/>
             <a:r>
-              <a:rPr lang="en-US" smtClean="0"/>
+              <a:rPr lang="en-US"/>
               <a:t>Click to edit Master text styles</a:t>
             </a:r>
           </a:p>
           <a:p>
             <a:pPr lvl="1"/>
             <a:r>
-              <a:rPr lang="en-US" smtClean="0"/>
+              <a:rPr lang="en-US"/>
               <a:t>Second level</a:t>
             </a:r>
           </a:p>
           <a:p>
             <a:pPr lvl="2"/>
             <a:r>
-              <a:rPr lang="en-US" smtClean="0"/>
+              <a:rPr lang="en-US"/>
               <a:t>Third level</a:t>
             </a:r>
           </a:p>
           <a:p>
             <a:pPr lvl="3"/>
             <a:r>
-              <a:rPr lang="en-US" smtClean="0"/>
+              <a:rPr lang="en-US"/>
               <a:t>Fourth level</a:t>
             </a:r>
           </a:p>
           <a:p>
             <a:pPr lvl="4"/>
             <a:r>
-              <a:rPr lang="en-US" smtClean="0"/>
+              <a:rPr lang="en-US"/>
               <a:t>Fifth level</a:t>
             </a:r>
-            <a:endParaRPr lang="en-US"/>
           </a:p>
         </p:txBody>
       </p:sp>
@@ -4074,7 +4406,7 @@
           <a:p>
             <a:pPr lvl="0"/>
             <a:r>
-              <a:rPr lang="en-US" smtClean="0"/>
+              <a:rPr lang="en-US"/>
               <a:t>Click to edit Master text styles</a:t>
             </a:r>
           </a:p>
@@ -4097,7 +4429,7 @@
           <a:p>
             <a:fld id="{7C780E36-1438-D74D-8D9C-3089FABA7E39}" type="datetimeFigureOut">
               <a:rPr lang="en-US" smtClean="0"/>
-              <a:t>6/5/18</a:t>
+              <a:t>5/28/19</a:t>
             </a:fld>
             <a:endParaRPr lang="en-US"/>
           </a:p>
@@ -4200,10 +4532,9 @@
           </a:lstStyle>
           <a:p>
             <a:r>
-              <a:rPr lang="en-US" smtClean="0"/>
+              <a:rPr lang="en-US"/>
               <a:t>Click to edit Master title style</a:t>
             </a:r>
-            <a:endParaRPr lang="en-US"/>
           </a:p>
         </p:txBody>
       </p:sp>
@@ -4327,7 +4658,7 @@
           <a:p>
             <a:pPr lvl="0"/>
             <a:r>
-              <a:rPr lang="en-US" smtClean="0"/>
+              <a:rPr lang="en-US"/>
               <a:t>Click to edit Master text styles</a:t>
             </a:r>
           </a:p>
@@ -4350,7 +4681,7 @@
           <a:p>
             <a:fld id="{7C780E36-1438-D74D-8D9C-3089FABA7E39}" type="datetimeFigureOut">
               <a:rPr lang="en-US" smtClean="0"/>
-              <a:t>6/5/18</a:t>
+              <a:t>5/28/19</a:t>
             </a:fld>
             <a:endParaRPr lang="en-US"/>
           </a:p>
@@ -4459,10 +4790,9 @@
           <a:lstStyle/>
           <a:p>
             <a:r>
-              <a:rPr lang="en-US" smtClean="0"/>
+              <a:rPr lang="en-US"/>
               <a:t>Click to edit Master title style</a:t>
             </a:r>
-            <a:endParaRPr lang="en-US"/>
           </a:p>
         </p:txBody>
       </p:sp>
@@ -4493,38 +4823,37 @@
           <a:p>
             <a:pPr lvl="0"/>
             <a:r>
-              <a:rPr lang="en-US" smtClean="0"/>
+              <a:rPr lang="en-US"/>
               <a:t>Click to edit Master text styles</a:t>
             </a:r>
           </a:p>
           <a:p>
             <a:pPr lvl="1"/>
             <a:r>
-              <a:rPr lang="en-US" smtClean="0"/>
+              <a:rPr lang="en-US"/>
               <a:t>Second level</a:t>
             </a:r>
           </a:p>
           <a:p>
             <a:pPr lvl="2"/>
             <a:r>
-              <a:rPr lang="en-US" smtClean="0"/>
+              <a:rPr lang="en-US"/>
               <a:t>Third level</a:t>
             </a:r>
           </a:p>
           <a:p>
             <a:pPr lvl="3"/>
             <a:r>
-              <a:rPr lang="en-US" smtClean="0"/>
+              <a:rPr lang="en-US"/>
               <a:t>Fourth level</a:t>
             </a:r>
           </a:p>
           <a:p>
             <a:pPr lvl="4"/>
             <a:r>
-              <a:rPr lang="en-US" smtClean="0"/>
+              <a:rPr lang="en-US"/>
               <a:t>Fifth level</a:t>
             </a:r>
-            <a:endParaRPr lang="en-US"/>
           </a:p>
         </p:txBody>
       </p:sp>
@@ -4563,7 +4892,7 @@
           <a:p>
             <a:fld id="{7C780E36-1438-D74D-8D9C-3089FABA7E39}" type="datetimeFigureOut">
               <a:rPr lang="en-US" smtClean="0"/>
-              <a:t>6/5/18</a:t>
+              <a:t>5/28/19</a:t>
             </a:fld>
             <a:endParaRPr lang="en-US"/>
           </a:p>
@@ -4971,7 +5300,7 @@
               <a:buNone/>
             </a:pPr>
             <a:r>
-              <a:rPr lang="en-US" sz="7200" b="1" dirty="0" smtClean="0">
+              <a:rPr lang="en-US" sz="7200" b="1" dirty="0">
                 <a:solidFill>
                   <a:srgbClr val="FF0000"/>
                 </a:solidFill>
@@ -5022,7 +5351,7 @@
               <a:buNone/>
             </a:pPr>
             <a:r>
-              <a:rPr lang="en-US" smtClean="0"/>
+              <a:rPr lang="en-US"/>
               <a:t>HILT 2018</a:t>
             </a:r>
             <a:endParaRPr lang="en" dirty="0"/>
@@ -5039,16 +5368,9 @@
   <p:clrMapOvr>
     <a:masterClrMapping/>
   </p:clrMapOvr>
-  <p:transition xmlns:p14="http://schemas.microsoft.com/office/powerpoint/2010/main" spd="slow">
+  <p:transition spd="slow">
     <p:cut/>
   </p:transition>
-  <p:timing>
-    <p:tnLst>
-      <p:par>
-        <p:cTn xmlns:p14="http://schemas.microsoft.com/office/powerpoint/2010/main" id="1" dur="indefinite" restart="never" nodeType="tmRoot"/>
-      </p:par>
-    </p:tnLst>
-  </p:timing>
 </p:sld>
 </file>
 
@@ -5101,7 +5423,570 @@
               <a:buNone/>
             </a:pPr>
             <a:r>
-              <a:rPr lang="en-US" sz="7200" dirty="0" smtClean="0">
+              <a:rPr lang="en-US" sz="5500" dirty="0">
+                <a:solidFill>
+                  <a:srgbClr val="FF0000"/>
+                </a:solidFill>
+                <a:latin typeface="Yanone Kaffeesatz Bold"/>
+                <a:cs typeface="Yanone Kaffeesatz Bold"/>
+              </a:rPr>
+              <a:t>Jupyter Notesbooks Cont.</a:t>
+            </a:r>
+            <a:endParaRPr lang="en" sz="5500" dirty="0">
+              <a:solidFill>
+                <a:srgbClr val="FF0000"/>
+              </a:solidFill>
+              <a:latin typeface="Yanone Kaffeesatz Bold"/>
+              <a:cs typeface="Yanone Kaffeesatz Bold"/>
+            </a:endParaRPr>
+          </a:p>
+        </p:txBody>
+      </p:sp>
+      <p:sp>
+        <p:nvSpPr>
+          <p:cNvPr id="30" name="Shape 30"/>
+          <p:cNvSpPr txBox="1">
+            <a:spLocks noGrp="1"/>
+          </p:cNvSpPr>
+          <p:nvPr>
+            <p:ph type="body" idx="1"/>
+          </p:nvPr>
+        </p:nvSpPr>
+        <p:spPr>
+          <a:xfrm>
+            <a:off x="457200" y="1600200"/>
+            <a:ext cx="8229600" cy="4967700"/>
+          </a:xfrm>
+          <a:prstGeom prst="rect">
+            <a:avLst/>
+          </a:prstGeom>
+        </p:spPr>
+        <p:txBody>
+          <a:bodyPr lIns="91425" tIns="91425" rIns="91425" bIns="91425" anchor="t" anchorCtr="0">
+            <a:noAutofit/>
+          </a:bodyPr>
+          <a:lstStyle/>
+          <a:p>
+            <a:pPr marL="38100" indent="0" defTabSz="914400">
+              <a:lnSpc>
+                <a:spcPct val="130000"/>
+              </a:lnSpc>
+              <a:buClr>
+                <a:schemeClr val="dk1"/>
+              </a:buClr>
+              <a:buSzPct val="100000"/>
+              <a:buNone/>
+              <a:defRPr/>
+            </a:pPr>
+            <a:endParaRPr lang="en-US" dirty="0"/>
+          </a:p>
+        </p:txBody>
+      </p:sp>
+      <p:sp>
+        <p:nvSpPr>
+          <p:cNvPr id="2" name="TextBox 1"/>
+          <p:cNvSpPr txBox="1"/>
+          <p:nvPr/>
+        </p:nvSpPr>
+        <p:spPr>
+          <a:xfrm>
+            <a:off x="2689412" y="881529"/>
+            <a:ext cx="184666" cy="369332"/>
+          </a:xfrm>
+          <a:prstGeom prst="rect">
+            <a:avLst/>
+          </a:prstGeom>
+          <a:noFill/>
+        </p:spPr>
+        <p:txBody>
+          <a:bodyPr wrap="none" rtlCol="0">
+            <a:spAutoFit/>
+          </a:bodyPr>
+          <a:lstStyle/>
+          <a:p>
+            <a:endParaRPr lang="en-US" dirty="0"/>
+          </a:p>
+        </p:txBody>
+      </p:sp>
+      <p:pic>
+        <p:nvPicPr>
+          <p:cNvPr id="5" name="Picture 4">
+            <a:extLst>
+              <a:ext uri="{FF2B5EF4-FFF2-40B4-BE49-F238E27FC236}">
+                <a16:creationId xmlns:a16="http://schemas.microsoft.com/office/drawing/2014/main" id="{B77011B7-3583-DE4A-AF20-0754CA7658D4}"/>
+              </a:ext>
+            </a:extLst>
+          </p:cNvPr>
+          <p:cNvPicPr>
+            <a:picLocks noChangeAspect="1"/>
+          </p:cNvPicPr>
+          <p:nvPr/>
+        </p:nvPicPr>
+        <p:blipFill>
+          <a:blip r:embed="rId3"/>
+          <a:stretch>
+            <a:fillRect/>
+          </a:stretch>
+        </p:blipFill>
+        <p:spPr>
+          <a:xfrm>
+            <a:off x="661595" y="1570616"/>
+            <a:ext cx="7820809" cy="4888006"/>
+          </a:xfrm>
+          <a:prstGeom prst="rect">
+            <a:avLst/>
+          </a:prstGeom>
+        </p:spPr>
+      </p:pic>
+    </p:spTree>
+    <p:extLst>
+      <p:ext uri="{BB962C8B-B14F-4D97-AF65-F5344CB8AC3E}">
+        <p14:creationId xmlns:p14="http://schemas.microsoft.com/office/powerpoint/2010/main" val="4291864097"/>
+      </p:ext>
+    </p:extLst>
+  </p:cSld>
+  <p:clrMapOvr>
+    <a:masterClrMapping/>
+  </p:clrMapOvr>
+  <p:transition spd="slow">
+    <p:cut/>
+  </p:transition>
+</p:sld>
+</file>
+
+<file path=ppt/slides/slide11.xml><?xml version="1.0" encoding="utf-8"?>
+<p:sld xmlns:a="http://schemas.openxmlformats.org/drawingml/2006/main" xmlns:r="http://schemas.openxmlformats.org/officeDocument/2006/relationships" xmlns:p="http://schemas.openxmlformats.org/presentationml/2006/main">
+  <p:cSld>
+    <p:spTree>
+      <p:nvGrpSpPr>
+        <p:cNvPr id="1" name="Shape 28"/>
+        <p:cNvGrpSpPr/>
+        <p:nvPr/>
+      </p:nvGrpSpPr>
+      <p:grpSpPr>
+        <a:xfrm>
+          <a:off x="0" y="0"/>
+          <a:ext cx="0" cy="0"/>
+          <a:chOff x="0" y="0"/>
+          <a:chExt cx="0" cy="0"/>
+        </a:xfrm>
+      </p:grpSpPr>
+      <p:sp>
+        <p:nvSpPr>
+          <p:cNvPr id="29" name="Shape 29"/>
+          <p:cNvSpPr txBox="1">
+            <a:spLocks noGrp="1"/>
+          </p:cNvSpPr>
+          <p:nvPr>
+            <p:ph type="title"/>
+          </p:nvPr>
+        </p:nvSpPr>
+        <p:spPr>
+          <a:xfrm>
+            <a:off x="457200" y="274637"/>
+            <a:ext cx="8229600" cy="1143000"/>
+          </a:xfrm>
+          <a:prstGeom prst="rect">
+            <a:avLst/>
+          </a:prstGeom>
+        </p:spPr>
+        <p:txBody>
+          <a:bodyPr lIns="91425" tIns="91425" rIns="91425" bIns="91425" anchor="b" anchorCtr="0">
+            <a:noAutofit/>
+          </a:bodyPr>
+          <a:lstStyle/>
+          <a:p>
+            <a:pPr>
+              <a:spcBef>
+                <a:spcPts val="0"/>
+              </a:spcBef>
+              <a:buNone/>
+            </a:pPr>
+            <a:r>
+              <a:rPr lang="en-US" sz="4000" dirty="0">
+                <a:solidFill>
+                  <a:srgbClr val="FF0000"/>
+                </a:solidFill>
+                <a:latin typeface="Yanone Kaffeesatz Bold"/>
+                <a:cs typeface="Yanone Kaffeesatz Bold"/>
+              </a:rPr>
+              <a:t>Transitioning to Independent Work</a:t>
+            </a:r>
+            <a:endParaRPr lang="en" sz="4000" dirty="0">
+              <a:solidFill>
+                <a:srgbClr val="FF0000"/>
+              </a:solidFill>
+              <a:latin typeface="Yanone Kaffeesatz Bold"/>
+              <a:cs typeface="Yanone Kaffeesatz Bold"/>
+            </a:endParaRPr>
+          </a:p>
+        </p:txBody>
+      </p:sp>
+      <p:sp>
+        <p:nvSpPr>
+          <p:cNvPr id="2" name="TextBox 1"/>
+          <p:cNvSpPr txBox="1"/>
+          <p:nvPr/>
+        </p:nvSpPr>
+        <p:spPr>
+          <a:xfrm>
+            <a:off x="2689412" y="881529"/>
+            <a:ext cx="184666" cy="369332"/>
+          </a:xfrm>
+          <a:prstGeom prst="rect">
+            <a:avLst/>
+          </a:prstGeom>
+          <a:noFill/>
+        </p:spPr>
+        <p:txBody>
+          <a:bodyPr wrap="none" rtlCol="0">
+            <a:spAutoFit/>
+          </a:bodyPr>
+          <a:lstStyle/>
+          <a:p>
+            <a:endParaRPr lang="en-US" dirty="0"/>
+          </a:p>
+        </p:txBody>
+      </p:sp>
+      <p:pic>
+        <p:nvPicPr>
+          <p:cNvPr id="4" name="Picture 3">
+            <a:extLst>
+              <a:ext uri="{FF2B5EF4-FFF2-40B4-BE49-F238E27FC236}">
+                <a16:creationId xmlns:a16="http://schemas.microsoft.com/office/drawing/2014/main" id="{DBAAC47D-1784-3146-A0DE-138E767CFCD7}"/>
+              </a:ext>
+            </a:extLst>
+          </p:cNvPr>
+          <p:cNvPicPr>
+            <a:picLocks noChangeAspect="1"/>
+          </p:cNvPicPr>
+          <p:nvPr/>
+        </p:nvPicPr>
+        <p:blipFill>
+          <a:blip r:embed="rId3"/>
+          <a:stretch>
+            <a:fillRect/>
+          </a:stretch>
+        </p:blipFill>
+        <p:spPr>
+          <a:xfrm>
+            <a:off x="1925619" y="3600349"/>
+            <a:ext cx="4846320" cy="3028950"/>
+          </a:xfrm>
+          <a:prstGeom prst="rect">
+            <a:avLst/>
+          </a:prstGeom>
+        </p:spPr>
+      </p:pic>
+      <p:sp>
+        <p:nvSpPr>
+          <p:cNvPr id="6" name="TextBox 5">
+            <a:extLst>
+              <a:ext uri="{FF2B5EF4-FFF2-40B4-BE49-F238E27FC236}">
+                <a16:creationId xmlns:a16="http://schemas.microsoft.com/office/drawing/2014/main" id="{0095E4DA-70EC-C147-A555-B186885710D2}"/>
+              </a:ext>
+            </a:extLst>
+          </p:cNvPr>
+          <p:cNvSpPr txBox="1"/>
+          <p:nvPr/>
+        </p:nvSpPr>
+        <p:spPr>
+          <a:xfrm>
+            <a:off x="457200" y="1417637"/>
+            <a:ext cx="7783158" cy="2015936"/>
+          </a:xfrm>
+          <a:prstGeom prst="rect">
+            <a:avLst/>
+          </a:prstGeom>
+          <a:noFill/>
+        </p:spPr>
+        <p:txBody>
+          <a:bodyPr wrap="square" rtlCol="0">
+            <a:spAutoFit/>
+          </a:bodyPr>
+          <a:lstStyle/>
+          <a:p>
+            <a:pPr marL="285750" indent="-285750">
+              <a:buFont typeface="Arial" panose="020B0604020202020204" pitchFamily="34" charset="0"/>
+              <a:buChar char="•"/>
+            </a:pPr>
+            <a:r>
+              <a:rPr lang="en-US" sz="2500"/>
+              <a:t>In the real world, you're often working from examples.</a:t>
+            </a:r>
+          </a:p>
+          <a:p>
+            <a:pPr marL="285750" indent="-285750">
+              <a:buFont typeface="Arial" panose="020B0604020202020204" pitchFamily="34" charset="0"/>
+              <a:buChar char="•"/>
+            </a:pPr>
+            <a:r>
+              <a:rPr lang="en-US" sz="2500"/>
+              <a:t>This is an opportunity to try that with some support!</a:t>
+            </a:r>
+          </a:p>
+          <a:p>
+            <a:pPr marL="285750" indent="-285750">
+              <a:buFont typeface="Arial" panose="020B0604020202020204" pitchFamily="34" charset="0"/>
+              <a:buChar char="•"/>
+            </a:pPr>
+            <a:r>
+              <a:rPr lang="en-US" sz="2500"/>
+              <a:t>Pick one relevant to your interests. If you have an idea for a project that you'd rather work on we can help you get started on that too.</a:t>
+            </a:r>
+          </a:p>
+        </p:txBody>
+      </p:sp>
+    </p:spTree>
+    <p:extLst>
+      <p:ext uri="{BB962C8B-B14F-4D97-AF65-F5344CB8AC3E}">
+        <p14:creationId xmlns:p14="http://schemas.microsoft.com/office/powerpoint/2010/main" val="3539415526"/>
+      </p:ext>
+    </p:extLst>
+  </p:cSld>
+  <p:clrMapOvr>
+    <a:masterClrMapping/>
+  </p:clrMapOvr>
+  <p:transition spd="slow">
+    <p:cut/>
+  </p:transition>
+</p:sld>
+</file>
+
+<file path=ppt/slides/slide12.xml><?xml version="1.0" encoding="utf-8"?>
+<p:sld xmlns:a="http://schemas.openxmlformats.org/drawingml/2006/main" xmlns:r="http://schemas.openxmlformats.org/officeDocument/2006/relationships" xmlns:p="http://schemas.openxmlformats.org/presentationml/2006/main">
+  <p:cSld>
+    <p:spTree>
+      <p:nvGrpSpPr>
+        <p:cNvPr id="1" name="Shape 28"/>
+        <p:cNvGrpSpPr/>
+        <p:nvPr/>
+      </p:nvGrpSpPr>
+      <p:grpSpPr>
+        <a:xfrm>
+          <a:off x="0" y="0"/>
+          <a:ext cx="0" cy="0"/>
+          <a:chOff x="0" y="0"/>
+          <a:chExt cx="0" cy="0"/>
+        </a:xfrm>
+      </p:grpSpPr>
+      <p:sp>
+        <p:nvSpPr>
+          <p:cNvPr id="29" name="Shape 29"/>
+          <p:cNvSpPr txBox="1">
+            <a:spLocks noGrp="1"/>
+          </p:cNvSpPr>
+          <p:nvPr>
+            <p:ph type="title"/>
+          </p:nvPr>
+        </p:nvSpPr>
+        <p:spPr>
+          <a:xfrm>
+            <a:off x="457200" y="274637"/>
+            <a:ext cx="8229600" cy="1143000"/>
+          </a:xfrm>
+          <a:prstGeom prst="rect">
+            <a:avLst/>
+          </a:prstGeom>
+        </p:spPr>
+        <p:txBody>
+          <a:bodyPr lIns="91425" tIns="91425" rIns="91425" bIns="91425" anchor="b" anchorCtr="0">
+            <a:noAutofit/>
+          </a:bodyPr>
+          <a:lstStyle/>
+          <a:p>
+            <a:pPr>
+              <a:spcBef>
+                <a:spcPts val="0"/>
+              </a:spcBef>
+              <a:buNone/>
+            </a:pPr>
+            <a:r>
+              <a:rPr lang="en-US" sz="7200" dirty="0">
+                <a:solidFill>
+                  <a:srgbClr val="FF0000"/>
+                </a:solidFill>
+                <a:latin typeface="Yanone Kaffeesatz Bold"/>
+                <a:cs typeface="Yanone Kaffeesatz Bold"/>
+              </a:rPr>
+              <a:t>Plan Cont.</a:t>
+            </a:r>
+            <a:endParaRPr lang="en" sz="7200" dirty="0">
+              <a:solidFill>
+                <a:srgbClr val="FF0000"/>
+              </a:solidFill>
+              <a:latin typeface="Yanone Kaffeesatz Bold"/>
+              <a:cs typeface="Yanone Kaffeesatz Bold"/>
+            </a:endParaRPr>
+          </a:p>
+        </p:txBody>
+      </p:sp>
+      <p:sp>
+        <p:nvSpPr>
+          <p:cNvPr id="30" name="Shape 30"/>
+          <p:cNvSpPr txBox="1">
+            <a:spLocks noGrp="1"/>
+          </p:cNvSpPr>
+          <p:nvPr>
+            <p:ph type="body" idx="1"/>
+          </p:nvPr>
+        </p:nvSpPr>
+        <p:spPr>
+          <a:xfrm>
+            <a:off x="457200" y="1600200"/>
+            <a:ext cx="8229600" cy="4967700"/>
+          </a:xfrm>
+          <a:prstGeom prst="rect">
+            <a:avLst/>
+          </a:prstGeom>
+        </p:spPr>
+        <p:txBody>
+          <a:bodyPr lIns="91425" tIns="91425" rIns="91425" bIns="91425" anchor="t" anchorCtr="0">
+            <a:noAutofit/>
+          </a:bodyPr>
+          <a:lstStyle/>
+          <a:p>
+            <a:pPr marL="495300" indent="-457200" defTabSz="914400">
+              <a:lnSpc>
+                <a:spcPct val="130000"/>
+              </a:lnSpc>
+              <a:buClr>
+                <a:schemeClr val="dk1"/>
+              </a:buClr>
+              <a:buSzPct val="100000"/>
+              <a:defRPr/>
+            </a:pPr>
+            <a:r>
+              <a:rPr lang="en-US" dirty="0"/>
+              <a:t>All slides (incl. Concepts III) on the website.</a:t>
+            </a:r>
+          </a:p>
+          <a:p>
+            <a:pPr marL="495300" indent="-457200" defTabSz="914400">
+              <a:lnSpc>
+                <a:spcPct val="130000"/>
+              </a:lnSpc>
+              <a:buClr>
+                <a:schemeClr val="dk1"/>
+              </a:buClr>
+              <a:buSzPct val="100000"/>
+              <a:defRPr/>
+            </a:pPr>
+            <a:r>
+              <a:rPr lang="en-US" dirty="0"/>
+              <a:t>Also have some exercises up there.</a:t>
+            </a:r>
+          </a:p>
+          <a:p>
+            <a:pPr marL="495300" indent="-457200" defTabSz="914400">
+              <a:lnSpc>
+                <a:spcPct val="130000"/>
+              </a:lnSpc>
+              <a:buClr>
+                <a:schemeClr val="dk1"/>
+              </a:buClr>
+              <a:buSzPct val="100000"/>
+              <a:defRPr/>
+            </a:pPr>
+            <a:r>
+              <a:rPr lang="en-US" dirty="0"/>
+              <a:t>Reinforcement is important!</a:t>
+            </a:r>
+          </a:p>
+        </p:txBody>
+      </p:sp>
+      <p:sp>
+        <p:nvSpPr>
+          <p:cNvPr id="2" name="TextBox 1"/>
+          <p:cNvSpPr txBox="1"/>
+          <p:nvPr/>
+        </p:nvSpPr>
+        <p:spPr>
+          <a:xfrm>
+            <a:off x="2689412" y="881529"/>
+            <a:ext cx="184666" cy="369332"/>
+          </a:xfrm>
+          <a:prstGeom prst="rect">
+            <a:avLst/>
+          </a:prstGeom>
+          <a:noFill/>
+        </p:spPr>
+        <p:txBody>
+          <a:bodyPr wrap="none" rtlCol="0">
+            <a:spAutoFit/>
+          </a:bodyPr>
+          <a:lstStyle/>
+          <a:p>
+            <a:endParaRPr lang="en-US" dirty="0"/>
+          </a:p>
+        </p:txBody>
+      </p:sp>
+    </p:spTree>
+    <p:extLst>
+      <p:ext uri="{BB962C8B-B14F-4D97-AF65-F5344CB8AC3E}">
+        <p14:creationId xmlns:p14="http://schemas.microsoft.com/office/powerpoint/2010/main" val="3715793269"/>
+      </p:ext>
+    </p:extLst>
+  </p:cSld>
+  <p:clrMapOvr>
+    <a:masterClrMapping/>
+  </p:clrMapOvr>
+  <p:transition spd="slow">
+    <p:cut/>
+  </p:transition>
+</p:sld>
+</file>
+
+<file path=ppt/slides/slide13.xml><?xml version="1.0" encoding="utf-8"?>
+<p:sld xmlns:a="http://schemas.openxmlformats.org/drawingml/2006/main" xmlns:r="http://schemas.openxmlformats.org/officeDocument/2006/relationships" xmlns:p="http://schemas.openxmlformats.org/presentationml/2006/main">
+  <p:cSld>
+    <p:spTree>
+      <p:nvGrpSpPr>
+        <p:cNvPr id="1" name="Shape 28"/>
+        <p:cNvGrpSpPr/>
+        <p:nvPr/>
+      </p:nvGrpSpPr>
+      <p:grpSpPr>
+        <a:xfrm>
+          <a:off x="0" y="0"/>
+          <a:ext cx="0" cy="0"/>
+          <a:chOff x="0" y="0"/>
+          <a:chExt cx="0" cy="0"/>
+        </a:xfrm>
+      </p:grpSpPr>
+      <p:sp>
+        <p:nvSpPr>
+          <p:cNvPr id="29" name="Shape 29"/>
+          <p:cNvSpPr txBox="1">
+            <a:spLocks noGrp="1"/>
+          </p:cNvSpPr>
+          <p:nvPr>
+            <p:ph type="title"/>
+          </p:nvPr>
+        </p:nvSpPr>
+        <p:spPr>
+          <a:xfrm>
+            <a:off x="457200" y="274637"/>
+            <a:ext cx="8229600" cy="1143000"/>
+          </a:xfrm>
+          <a:prstGeom prst="rect">
+            <a:avLst/>
+          </a:prstGeom>
+        </p:spPr>
+        <p:txBody>
+          <a:bodyPr lIns="91425" tIns="91425" rIns="91425" bIns="91425" anchor="b" anchorCtr="0">
+            <a:noAutofit/>
+          </a:bodyPr>
+          <a:lstStyle/>
+          <a:p>
+            <a:pPr>
+              <a:spcBef>
+                <a:spcPts val="0"/>
+              </a:spcBef>
+              <a:buNone/>
+            </a:pPr>
+            <a:r>
+              <a:rPr lang="en-US" sz="7200" dirty="0">
                 <a:solidFill>
                   <a:srgbClr val="FF0000"/>
                 </a:solidFill>
@@ -5157,7 +6042,7 @@
               <a:buChar char="●"/>
             </a:pPr>
             <a:r>
-              <a:rPr lang="en-US" dirty="0" smtClean="0"/>
+              <a:rPr lang="en-US" dirty="0"/>
               <a:t>Start thinking about it...</a:t>
             </a:r>
           </a:p>
@@ -5186,16 +6071,9 @@
   <p:clrMapOvr>
     <a:masterClrMapping/>
   </p:clrMapOvr>
-  <p:transition xmlns:p14="http://schemas.microsoft.com/office/powerpoint/2010/main" spd="slow">
+  <p:transition spd="slow">
     <p:cut/>
   </p:transition>
-  <p:timing>
-    <p:tnLst>
-      <p:par>
-        <p:cTn xmlns:p14="http://schemas.microsoft.com/office/powerpoint/2010/main" id="1" dur="indefinite" restart="never" nodeType="tmRoot"/>
-      </p:par>
-    </p:tnLst>
-  </p:timing>
 </p:sld>
 </file>
 
@@ -5248,7 +6126,7 @@
               <a:buNone/>
             </a:pPr>
             <a:r>
-              <a:rPr lang="en-US" sz="7200" dirty="0" smtClean="0">
+              <a:rPr lang="en-US" sz="7200" dirty="0">
                 <a:solidFill>
                   <a:srgbClr val="FF0000"/>
                 </a:solidFill>
@@ -5307,7 +6185,7 @@
               <a:buChar char="●"/>
             </a:pPr>
             <a:r>
-              <a:rPr lang="en-US" dirty="0" smtClean="0"/>
+              <a:rPr lang="en-US" dirty="0"/>
               <a:t>What are some of the data types?</a:t>
             </a:r>
           </a:p>
@@ -5327,7 +6205,7 @@
               <a:buChar char="●"/>
             </a:pPr>
             <a:r>
-              <a:rPr lang="en-US" dirty="0" smtClean="0"/>
+              <a:rPr lang="en-US" dirty="0"/>
               <a:t>What is a variable?</a:t>
             </a:r>
           </a:p>
@@ -5347,7 +6225,7 @@
               <a:buChar char="●"/>
             </a:pPr>
             <a:r>
-              <a:rPr lang="en-US" dirty="0" smtClean="0"/>
+              <a:rPr lang="en-US" dirty="0"/>
               <a:t>What is a method?</a:t>
             </a:r>
           </a:p>
@@ -5367,14 +6245,9 @@
               <a:buChar char="●"/>
             </a:pPr>
             <a:r>
-              <a:rPr lang="en-US" dirty="0" smtClean="0"/>
-              <a:t>Why Python? Why not</a:t>
-            </a:r>
-            <a:r>
-              <a:rPr lang="en-US" dirty="0" smtClean="0"/>
-              <a:t>?</a:t>
-            </a:r>
-            <a:endParaRPr lang="en-US" dirty="0" smtClean="0"/>
+              <a:rPr lang="en-US" dirty="0"/>
+              <a:t>Why Python? Why not?</a:t>
+            </a:r>
           </a:p>
         </p:txBody>
       </p:sp>
@@ -5388,16 +6261,9 @@
   <p:clrMapOvr>
     <a:masterClrMapping/>
   </p:clrMapOvr>
-  <p:transition xmlns:p14="http://schemas.microsoft.com/office/powerpoint/2010/main" spd="slow">
+  <p:transition spd="slow">
     <p:cut/>
   </p:transition>
-  <p:timing>
-    <p:tnLst>
-      <p:par>
-        <p:cTn xmlns:p14="http://schemas.microsoft.com/office/powerpoint/2010/main" id="1" dur="indefinite" restart="never" nodeType="tmRoot"/>
-      </p:par>
-    </p:tnLst>
-  </p:timing>
 </p:sld>
 </file>
 
@@ -5450,7 +6316,7 @@
               <a:buNone/>
             </a:pPr>
             <a:r>
-              <a:rPr lang="en-US" sz="7200" dirty="0" smtClean="0">
+              <a:rPr lang="en-US" sz="7200" dirty="0">
                 <a:solidFill>
                   <a:srgbClr val="FF0000"/>
                 </a:solidFill>
@@ -5509,7 +6375,7 @@
               <a:buChar char="●"/>
             </a:pPr>
             <a:r>
-              <a:rPr lang="en-US" dirty="0" smtClean="0"/>
+              <a:rPr lang="en-US" dirty="0"/>
               <a:t>What is an operator?</a:t>
             </a:r>
           </a:p>
@@ -5526,16 +6392,8 @@
               <a:buChar char="●"/>
             </a:pPr>
             <a:r>
-              <a:rPr lang="en-US" dirty="0" smtClean="0"/>
-              <a:t>What is the </a:t>
-            </a:r>
-            <a:r>
               <a:rPr lang="en-US" dirty="0"/>
-              <a:t>Python interpreter? </a:t>
-            </a:r>
-            <a:r>
-              <a:rPr lang="en-US" dirty="0" smtClean="0"/>
-              <a:t>Is it awesome?</a:t>
+              <a:t>What is the Python interpreter? Is it awesome?</a:t>
             </a:r>
           </a:p>
           <a:p>
@@ -5554,7 +6412,7 @@
               <a:buChar char="●"/>
             </a:pPr>
             <a:r>
-              <a:rPr lang="en-US" dirty="0" smtClean="0"/>
+              <a:rPr lang="en-US" dirty="0"/>
               <a:t>How do you assign a variable?</a:t>
             </a:r>
           </a:p>
@@ -5574,7 +6432,7 @@
               <a:buChar char="●"/>
             </a:pPr>
             <a:r>
-              <a:rPr lang="en-US" dirty="0" smtClean="0"/>
+              <a:rPr lang="en-US" dirty="0"/>
               <a:t>What is Duck Typing?</a:t>
             </a:r>
           </a:p>
@@ -5594,7 +6452,7 @@
               <a:buChar char="●"/>
             </a:pPr>
             <a:r>
-              <a:rPr lang="en-US" dirty="0" smtClean="0"/>
+              <a:rPr lang="en-US" dirty="0"/>
               <a:t>What is a list?</a:t>
             </a:r>
           </a:p>
@@ -5614,7 +6472,7 @@
               <a:buChar char="●"/>
             </a:pPr>
             <a:r>
-              <a:rPr lang="en-US" dirty="0" smtClean="0"/>
+              <a:rPr lang="en-US" dirty="0"/>
               <a:t>What is a dictionary?</a:t>
             </a:r>
           </a:p>
@@ -5630,16 +6488,9 @@
   <p:clrMapOvr>
     <a:masterClrMapping/>
   </p:clrMapOvr>
-  <p:transition xmlns:p14="http://schemas.microsoft.com/office/powerpoint/2010/main" spd="slow">
+  <p:transition spd="slow">
     <p:cut/>
   </p:transition>
-  <p:timing>
-    <p:tnLst>
-      <p:par>
-        <p:cTn xmlns:p14="http://schemas.microsoft.com/office/powerpoint/2010/main" id="1" dur="indefinite" restart="never" nodeType="tmRoot"/>
-      </p:par>
-    </p:tnLst>
-  </p:timing>
 </p:sld>
 </file>
 
@@ -5692,7 +6543,7 @@
               <a:buNone/>
             </a:pPr>
             <a:r>
-              <a:rPr lang="en-US" sz="7200" dirty="0" smtClean="0">
+              <a:rPr lang="en-US" sz="7200" dirty="0">
                 <a:solidFill>
                   <a:srgbClr val="FF0000"/>
                 </a:solidFill>
@@ -5749,11 +6600,7 @@
             </a:pPr>
             <a:r>
               <a:rPr lang="en-US" dirty="0"/>
-              <a:t>What’s the difference between a </a:t>
-            </a:r>
-            <a:r>
-              <a:rPr lang="en-US" dirty="0" smtClean="0"/>
-              <a:t>list and a dictionary?</a:t>
+              <a:t>What’s the difference between a list and a dictionary?</a:t>
             </a:r>
           </a:p>
           <a:p>
@@ -5769,7 +6616,7 @@
               <a:buChar char="●"/>
             </a:pPr>
             <a:r>
-              <a:rPr lang="en-US" dirty="0" smtClean="0"/>
+              <a:rPr lang="en-US" dirty="0"/>
               <a:t>How do you step over a collection?</a:t>
             </a:r>
           </a:p>
@@ -5786,10 +6633,9 @@
               <a:buChar char="●"/>
             </a:pPr>
             <a:r>
-              <a:rPr lang="en-US" dirty="0" smtClean="0"/>
+              <a:rPr lang="en-US" dirty="0"/>
               <a:t>How do you print something to the console?</a:t>
             </a:r>
-            <a:endParaRPr lang="en-US" dirty="0"/>
           </a:p>
         </p:txBody>
       </p:sp>
@@ -5803,16 +6649,9 @@
   <p:clrMapOvr>
     <a:masterClrMapping/>
   </p:clrMapOvr>
-  <p:transition xmlns:p14="http://schemas.microsoft.com/office/powerpoint/2010/main" spd="slow">
+  <p:transition spd="slow">
     <p:cut/>
   </p:transition>
-  <p:timing>
-    <p:tnLst>
-      <p:par>
-        <p:cTn xmlns:p14="http://schemas.microsoft.com/office/powerpoint/2010/main" id="1" dur="indefinite" restart="never" nodeType="tmRoot"/>
-      </p:par>
-    </p:tnLst>
-  </p:timing>
 </p:sld>
 </file>
 
@@ -5865,7 +6704,7 @@
               <a:buNone/>
             </a:pPr>
             <a:r>
-              <a:rPr lang="en-US" sz="7200" dirty="0" smtClean="0">
+              <a:rPr lang="en-US" sz="7200" dirty="0">
                 <a:solidFill>
                   <a:srgbClr val="FF0000"/>
                 </a:solidFill>
@@ -5921,7 +6760,7 @@
               <a:buChar char="●"/>
             </a:pPr>
             <a:r>
-              <a:rPr lang="en-US" dirty="0" smtClean="0"/>
+              <a:rPr lang="en-US" dirty="0"/>
               <a:t>How do you run a command-line program?</a:t>
             </a:r>
           </a:p>
@@ -5938,7 +6777,7 @@
               <a:buChar char="●"/>
             </a:pPr>
             <a:r>
-              <a:rPr lang="en-US" dirty="0" smtClean="0"/>
+              <a:rPr lang="en-US" dirty="0"/>
               <a:t>What is an argument?</a:t>
             </a:r>
           </a:p>
@@ -5955,7 +6794,7 @@
               <a:buChar char="●"/>
             </a:pPr>
             <a:r>
-              <a:rPr lang="en-US" dirty="0" smtClean="0"/>
+              <a:rPr lang="en-US" dirty="0"/>
               <a:t>What is a conditional statement?</a:t>
             </a:r>
           </a:p>
@@ -5984,16 +6823,9 @@
   <p:clrMapOvr>
     <a:masterClrMapping/>
   </p:clrMapOvr>
-  <p:transition xmlns:p14="http://schemas.microsoft.com/office/powerpoint/2010/main" spd="slow">
+  <p:transition spd="slow">
     <p:cut/>
   </p:transition>
-  <p:timing>
-    <p:tnLst>
-      <p:par>
-        <p:cTn xmlns:p14="http://schemas.microsoft.com/office/powerpoint/2010/main" id="1" dur="indefinite" restart="never" nodeType="tmRoot"/>
-      </p:par>
-    </p:tnLst>
-  </p:timing>
 </p:sld>
 </file>
 
@@ -6046,7 +6878,7 @@
               <a:buNone/>
             </a:pPr>
             <a:r>
-              <a:rPr lang="en-US" sz="7200" dirty="0" smtClean="0">
+              <a:rPr lang="en-US" sz="7200" dirty="0">
                 <a:solidFill>
                   <a:srgbClr val="FF0000"/>
                 </a:solidFill>
@@ -6102,7 +6934,7 @@
               <a:buChar char="●"/>
             </a:pPr>
             <a:r>
-              <a:rPr lang="en-US" dirty="0" smtClean="0"/>
+              <a:rPr lang="en-US" dirty="0"/>
               <a:t>What was the hardest thing you did yesterday?</a:t>
             </a:r>
           </a:p>
@@ -6119,10 +6951,9 @@
               <a:buChar char="●"/>
             </a:pPr>
             <a:r>
-              <a:rPr lang="en-US" dirty="0" smtClean="0"/>
+              <a:rPr lang="en-US" dirty="0"/>
               <a:t>What was the easiest?</a:t>
             </a:r>
-            <a:endParaRPr lang="en-US" dirty="0"/>
           </a:p>
         </p:txBody>
       </p:sp>
@@ -6136,16 +6967,9 @@
   <p:clrMapOvr>
     <a:masterClrMapping/>
   </p:clrMapOvr>
-  <p:transition xmlns:p14="http://schemas.microsoft.com/office/powerpoint/2010/main" spd="slow">
+  <p:transition spd="slow">
     <p:cut/>
   </p:transition>
-  <p:timing>
-    <p:tnLst>
-      <p:par>
-        <p:cTn xmlns:p14="http://schemas.microsoft.com/office/powerpoint/2010/main" id="1" dur="indefinite" restart="never" nodeType="tmRoot"/>
-      </p:par>
-    </p:tnLst>
-  </p:timing>
 </p:sld>
 </file>
 
@@ -6198,7 +7022,7 @@
               <a:buNone/>
             </a:pPr>
             <a:r>
-              <a:rPr lang="en-US" sz="7200" dirty="0" smtClean="0">
+              <a:rPr lang="en-US" sz="7200" dirty="0">
                 <a:solidFill>
                   <a:srgbClr val="FF0000"/>
                 </a:solidFill>
@@ -6310,11 +7134,7 @@
             </a:pPr>
             <a:r>
               <a:rPr lang="en-US" dirty="0"/>
-              <a:t>But we take requests</a:t>
-            </a:r>
-            <a:r>
-              <a:rPr lang="en-US" dirty="0" smtClean="0"/>
-              <a:t>! In particular, top choices from the poll were…</a:t>
+              <a:t>But we take requests! In particular, top choices from the poll were…</a:t>
             </a:r>
           </a:p>
           <a:p>
@@ -6329,7 +7149,7 @@
               <a:defRPr/>
             </a:pPr>
             <a:r>
-              <a:rPr lang="en-US" dirty="0" smtClean="0"/>
+              <a:rPr lang="en-US" dirty="0"/>
               <a:t>student projects</a:t>
             </a:r>
           </a:p>
@@ -6345,7 +7165,7 @@
               <a:defRPr/>
             </a:pPr>
             <a:r>
-              <a:rPr lang="en-US" dirty="0" smtClean="0"/>
+              <a:rPr lang="en-US" dirty="0"/>
               <a:t>useful libraries</a:t>
             </a:r>
           </a:p>
@@ -6361,10 +7181,9 @@
               <a:defRPr/>
             </a:pPr>
             <a:r>
-              <a:rPr lang="en-US" dirty="0" smtClean="0"/>
+              <a:rPr lang="en-US" dirty="0"/>
               <a:t>how to work with data and these tools</a:t>
             </a:r>
-            <a:endParaRPr lang="en-US" dirty="0"/>
           </a:p>
         </p:txBody>
       </p:sp>
@@ -6378,16 +7197,9 @@
   <p:clrMapOvr>
     <a:masterClrMapping/>
   </p:clrMapOvr>
-  <p:transition xmlns:p14="http://schemas.microsoft.com/office/powerpoint/2010/main" spd="slow">
+  <p:transition spd="slow">
     <p:cut/>
   </p:transition>
-  <p:timing>
-    <p:tnLst>
-      <p:par>
-        <p:cTn xmlns:p14="http://schemas.microsoft.com/office/powerpoint/2010/main" id="1" dur="indefinite" restart="never" nodeType="tmRoot"/>
-      </p:par>
-    </p:tnLst>
-  </p:timing>
 </p:sld>
 </file>
 
@@ -6440,7 +7252,7 @@
               <a:buNone/>
             </a:pPr>
             <a:r>
-              <a:rPr lang="en-US" sz="7200" dirty="0" smtClean="0">
+              <a:rPr lang="en-US" sz="7200" dirty="0">
                 <a:solidFill>
                   <a:srgbClr val="FF0000"/>
                 </a:solidFill>
@@ -6496,7 +7308,7 @@
               <a:defRPr/>
             </a:pPr>
             <a:r>
-              <a:rPr lang="en-US" dirty="0" smtClean="0"/>
+              <a:rPr lang="en-US" dirty="0"/>
               <a:t>Today:</a:t>
             </a:r>
           </a:p>
@@ -6512,7 +7324,7 @@
               <a:buNone/>
               <a:defRPr/>
             </a:pPr>
-            <a:endParaRPr lang="en-US" dirty="0" smtClean="0"/>
+            <a:endParaRPr lang="en-US" dirty="0"/>
           </a:p>
           <a:p>
             <a:pPr marL="495300" indent="-457200" defTabSz="914400">
@@ -6526,7 +7338,7 @@
               <a:defRPr/>
             </a:pPr>
             <a:r>
-              <a:rPr lang="en-US" dirty="0" smtClean="0"/>
+              <a:rPr lang="en-US" dirty="0"/>
               <a:t>Finish out concepts II.</a:t>
             </a:r>
           </a:p>
@@ -6542,7 +7354,7 @@
               <a:defRPr/>
             </a:pPr>
             <a:r>
-              <a:rPr lang="en-US" dirty="0" smtClean="0"/>
+              <a:rPr lang="en-US" dirty="0"/>
               <a:t>Hand wave at concepts III.</a:t>
             </a:r>
           </a:p>
@@ -6558,10 +7370,9 @@
               <a:defRPr/>
             </a:pPr>
             <a:r>
-              <a:rPr lang="en-US" dirty="0" smtClean="0"/>
+              <a:rPr lang="en-US" dirty="0"/>
               <a:t>Start working through a case study together.</a:t>
             </a:r>
-            <a:endParaRPr lang="en-US" dirty="0"/>
           </a:p>
         </p:txBody>
       </p:sp>
@@ -6601,16 +7412,9 @@
   <p:clrMapOvr>
     <a:masterClrMapping/>
   </p:clrMapOvr>
-  <p:transition xmlns:p14="http://schemas.microsoft.com/office/powerpoint/2010/main" spd="slow">
+  <p:transition spd="slow">
     <p:cut/>
   </p:transition>
-  <p:timing>
-    <p:tnLst>
-      <p:par>
-        <p:cTn xmlns:p14="http://schemas.microsoft.com/office/powerpoint/2010/main" id="1" dur="indefinite" restart="never" nodeType="tmRoot"/>
-      </p:par>
-    </p:tnLst>
-  </p:timing>
 </p:sld>
 </file>
 
@@ -6663,14 +7467,14 @@
               <a:buNone/>
             </a:pPr>
             <a:r>
-              <a:rPr lang="en-US" sz="7200" dirty="0" smtClean="0">
+              <a:rPr lang="en-US" sz="7200" dirty="0">
                 <a:solidFill>
                   <a:srgbClr val="FF0000"/>
                 </a:solidFill>
                 <a:latin typeface="Yanone Kaffeesatz Bold"/>
                 <a:cs typeface="Yanone Kaffeesatz Bold"/>
               </a:rPr>
-              <a:t>Plan Cont.</a:t>
+              <a:t>Case Studies</a:t>
             </a:r>
             <a:endParaRPr lang="en" sz="7200" dirty="0">
               <a:solidFill>
@@ -6707,7 +7511,7 @@
           </a:bodyPr>
           <a:lstStyle/>
           <a:p>
-            <a:pPr marL="495300" indent="-457200" defTabSz="914400">
+            <a:pPr marL="38100" indent="0" defTabSz="914400">
               <a:lnSpc>
                 <a:spcPct val="130000"/>
               </a:lnSpc>
@@ -6715,44 +7519,9 @@
                 <a:schemeClr val="dk1"/>
               </a:buClr>
               <a:buSzPct val="100000"/>
+              <a:buNone/>
               <a:defRPr/>
             </a:pPr>
-            <a:r>
-              <a:rPr lang="en-US" dirty="0" smtClean="0"/>
-              <a:t>All slides (incl. Concepts III) on the website.</a:t>
-            </a:r>
-          </a:p>
-          <a:p>
-            <a:pPr marL="495300" indent="-457200" defTabSz="914400">
-              <a:lnSpc>
-                <a:spcPct val="130000"/>
-              </a:lnSpc>
-              <a:buClr>
-                <a:schemeClr val="dk1"/>
-              </a:buClr>
-              <a:buSzPct val="100000"/>
-              <a:defRPr/>
-            </a:pPr>
-            <a:r>
-              <a:rPr lang="en-US" dirty="0" smtClean="0"/>
-              <a:t>Also have some exercises up there.</a:t>
-            </a:r>
-          </a:p>
-          <a:p>
-            <a:pPr marL="495300" indent="-457200" defTabSz="914400">
-              <a:lnSpc>
-                <a:spcPct val="130000"/>
-              </a:lnSpc>
-              <a:buClr>
-                <a:schemeClr val="dk1"/>
-              </a:buClr>
-              <a:buSzPct val="100000"/>
-              <a:defRPr/>
-            </a:pPr>
-            <a:r>
-              <a:rPr lang="en-US" dirty="0" smtClean="0"/>
-              <a:t>Reinforcement is important!</a:t>
-            </a:r>
             <a:endParaRPr lang="en-US" dirty="0"/>
           </a:p>
         </p:txBody>
@@ -6783,26 +7552,49 @@
           </a:p>
         </p:txBody>
       </p:sp>
+      <p:pic>
+        <p:nvPicPr>
+          <p:cNvPr id="4" name="Picture 3">
+            <a:extLst>
+              <a:ext uri="{FF2B5EF4-FFF2-40B4-BE49-F238E27FC236}">
+                <a16:creationId xmlns:a16="http://schemas.microsoft.com/office/drawing/2014/main" id="{905AF3BD-BF97-6C42-95A6-CA65BC344C1D}"/>
+              </a:ext>
+            </a:extLst>
+          </p:cNvPr>
+          <p:cNvPicPr>
+            <a:picLocks noChangeAspect="1"/>
+          </p:cNvPicPr>
+          <p:nvPr/>
+        </p:nvPicPr>
+        <p:blipFill>
+          <a:blip r:embed="rId3"/>
+          <a:stretch>
+            <a:fillRect/>
+          </a:stretch>
+        </p:blipFill>
+        <p:spPr>
+          <a:xfrm>
+            <a:off x="666974" y="1512636"/>
+            <a:ext cx="7810052" cy="4881283"/>
+          </a:xfrm>
+          <a:prstGeom prst="rect">
+            <a:avLst/>
+          </a:prstGeom>
+        </p:spPr>
+      </p:pic>
     </p:spTree>
     <p:extLst>
       <p:ext uri="{BB962C8B-B14F-4D97-AF65-F5344CB8AC3E}">
-        <p14:creationId xmlns:p14="http://schemas.microsoft.com/office/powerpoint/2010/main" val="3715793269"/>
+        <p14:creationId xmlns:p14="http://schemas.microsoft.com/office/powerpoint/2010/main" val="3448768364"/>
       </p:ext>
     </p:extLst>
   </p:cSld>
   <p:clrMapOvr>
     <a:masterClrMapping/>
   </p:clrMapOvr>
-  <p:transition xmlns:p14="http://schemas.microsoft.com/office/powerpoint/2010/main" spd="slow">
+  <p:transition spd="slow">
     <p:cut/>
   </p:transition>
-  <p:timing>
-    <p:tnLst>
-      <p:par>
-        <p:cTn xmlns:p14="http://schemas.microsoft.com/office/powerpoint/2010/main" id="1" dur="indefinite" restart="never" nodeType="tmRoot"/>
-      </p:par>
-    </p:tnLst>
-  </p:timing>
 </p:sld>
 </file>
 

--- a/2019/python/day2-review.pptx
+++ b/2019/python/day2-review.pptx
@@ -121,7 +121,7 @@
   </p:defaultTextStyle>
   <p:extLst>
     <p:ext uri="{EFAFB233-063F-42B5-8137-9DF3F51BA10A}">
-      <p15:sldGuideLst xmlns:p15="http://schemas.microsoft.com/office/powerpoint/2012/main">
+      <p15:sldGuideLst xmlns:p15="http://schemas.microsoft.com/office/powerpoint/2012/main" xmlns="">
         <p15:guide id="1" orient="horz" pos="2160">
           <p15:clr>
             <a:srgbClr val="A4A3A4"/>
@@ -220,7 +220,7 @@
           <a:p>
             <a:fld id="{91BDCAE1-DC13-3545-841A-A4DBCAED93AF}" type="datetimeFigureOut">
               <a:rPr lang="en-US" smtClean="0"/>
-              <a:t>5/28/19</a:t>
+              <a:t>6/1/19</a:t>
             </a:fld>
             <a:endParaRPr lang="en-US"/>
           </a:p>
@@ -2174,7 +2174,7 @@
           <a:p>
             <a:fld id="{7C780E36-1438-D74D-8D9C-3089FABA7E39}" type="datetimeFigureOut">
               <a:rPr lang="en-US" smtClean="0"/>
-              <a:t>5/28/19</a:t>
+              <a:t>6/1/19</a:t>
             </a:fld>
             <a:endParaRPr lang="en-US"/>
           </a:p>
@@ -2342,7 +2342,7 @@
           <a:p>
             <a:fld id="{7C780E36-1438-D74D-8D9C-3089FABA7E39}" type="datetimeFigureOut">
               <a:rPr lang="en-US" smtClean="0"/>
-              <a:t>5/28/19</a:t>
+              <a:t>6/1/19</a:t>
             </a:fld>
             <a:endParaRPr lang="en-US"/>
           </a:p>
@@ -2520,7 +2520,7 @@
           <a:p>
             <a:fld id="{7C780E36-1438-D74D-8D9C-3089FABA7E39}" type="datetimeFigureOut">
               <a:rPr lang="en-US" smtClean="0"/>
-              <a:t>5/28/19</a:t>
+              <a:t>6/1/19</a:t>
             </a:fld>
             <a:endParaRPr lang="en-US"/>
           </a:p>
@@ -2993,7 +2993,7 @@
           <a:p>
             <a:fld id="{7C780E36-1438-D74D-8D9C-3089FABA7E39}" type="datetimeFigureOut">
               <a:rPr lang="en-US" smtClean="0"/>
-              <a:t>5/28/19</a:t>
+              <a:t>6/1/19</a:t>
             </a:fld>
             <a:endParaRPr lang="en-US"/>
           </a:p>
@@ -3238,7 +3238,7 @@
           <a:p>
             <a:fld id="{7C780E36-1438-D74D-8D9C-3089FABA7E39}" type="datetimeFigureOut">
               <a:rPr lang="en-US" smtClean="0"/>
-              <a:t>5/28/19</a:t>
+              <a:t>6/1/19</a:t>
             </a:fld>
             <a:endParaRPr lang="en-US"/>
           </a:p>
@@ -3523,7 +3523,7 @@
           <a:p>
             <a:fld id="{7C780E36-1438-D74D-8D9C-3089FABA7E39}" type="datetimeFigureOut">
               <a:rPr lang="en-US" smtClean="0"/>
-              <a:t>5/28/19</a:t>
+              <a:t>6/1/19</a:t>
             </a:fld>
             <a:endParaRPr lang="en-US"/>
           </a:p>
@@ -3942,7 +3942,7 @@
           <a:p>
             <a:fld id="{7C780E36-1438-D74D-8D9C-3089FABA7E39}" type="datetimeFigureOut">
               <a:rPr lang="en-US" smtClean="0"/>
-              <a:t>5/28/19</a:t>
+              <a:t>6/1/19</a:t>
             </a:fld>
             <a:endParaRPr lang="en-US"/>
           </a:p>
@@ -4059,7 +4059,7 @@
           <a:p>
             <a:fld id="{7C780E36-1438-D74D-8D9C-3089FABA7E39}" type="datetimeFigureOut">
               <a:rPr lang="en-US" smtClean="0"/>
-              <a:t>5/28/19</a:t>
+              <a:t>6/1/19</a:t>
             </a:fld>
             <a:endParaRPr lang="en-US"/>
           </a:p>
@@ -4154,7 +4154,7 @@
           <a:p>
             <a:fld id="{7C780E36-1438-D74D-8D9C-3089FABA7E39}" type="datetimeFigureOut">
               <a:rPr lang="en-US" smtClean="0"/>
-              <a:t>5/28/19</a:t>
+              <a:t>6/1/19</a:t>
             </a:fld>
             <a:endParaRPr lang="en-US"/>
           </a:p>
@@ -4429,7 +4429,7 @@
           <a:p>
             <a:fld id="{7C780E36-1438-D74D-8D9C-3089FABA7E39}" type="datetimeFigureOut">
               <a:rPr lang="en-US" smtClean="0"/>
-              <a:t>5/28/19</a:t>
+              <a:t>6/1/19</a:t>
             </a:fld>
             <a:endParaRPr lang="en-US"/>
           </a:p>
@@ -4681,7 +4681,7 @@
           <a:p>
             <a:fld id="{7C780E36-1438-D74D-8D9C-3089FABA7E39}" type="datetimeFigureOut">
               <a:rPr lang="en-US" smtClean="0"/>
-              <a:t>5/28/19</a:t>
+              <a:t>6/1/19</a:t>
             </a:fld>
             <a:endParaRPr lang="en-US"/>
           </a:p>
@@ -4892,7 +4892,7 @@
           <a:p>
             <a:fld id="{7C780E36-1438-D74D-8D9C-3089FABA7E39}" type="datetimeFigureOut">
               <a:rPr lang="en-US" smtClean="0"/>
-              <a:t>5/28/19</a:t>
+              <a:t>6/1/19</a:t>
             </a:fld>
             <a:endParaRPr lang="en-US"/>
           </a:p>
@@ -5351,8 +5351,12 @@
               <a:buNone/>
             </a:pPr>
             <a:r>
-              <a:rPr lang="en-US"/>
-              <a:t>HILT 2018</a:t>
+              <a:rPr lang="en-US" dirty="0"/>
+              <a:t>HILT </a:t>
+            </a:r>
+            <a:r>
+              <a:rPr lang="en-US" dirty="0" smtClean="0"/>
+              <a:t>2019</a:t>
             </a:r>
             <a:endParaRPr lang="en" dirty="0"/>
           </a:p>
@@ -5368,7 +5372,7 @@
   <p:clrMapOvr>
     <a:masterClrMapping/>
   </p:clrMapOvr>
-  <p:transition spd="slow">
+  <p:transition xmlns:p14="http://schemas.microsoft.com/office/powerpoint/2010/main" spd="slow">
     <p:cut/>
   </p:transition>
 </p:sld>
@@ -5423,7 +5427,7 @@
               <a:buNone/>
             </a:pPr>
             <a:r>
-              <a:rPr lang="en-US" sz="5500" dirty="0">
+              <a:rPr lang="en-US" sz="5000" dirty="0">
                 <a:solidFill>
                   <a:srgbClr val="FF0000"/>
                 </a:solidFill>
@@ -5432,7 +5436,7 @@
               </a:rPr>
               <a:t>Jupyter Notesbooks Cont.</a:t>
             </a:r>
-            <a:endParaRPr lang="en" sz="5500" dirty="0">
+            <a:endParaRPr lang="en" sz="5000" dirty="0">
               <a:solidFill>
                 <a:srgbClr val="FF0000"/>
               </a:solidFill>
@@ -5513,7 +5517,7 @@
           <p:cNvPr id="5" name="Picture 4">
             <a:extLst>
               <a:ext uri="{FF2B5EF4-FFF2-40B4-BE49-F238E27FC236}">
-                <a16:creationId xmlns:a16="http://schemas.microsoft.com/office/drawing/2014/main" id="{B77011B7-3583-DE4A-AF20-0754CA7658D4}"/>
+                <a16:creationId xmlns:a16="http://schemas.microsoft.com/office/drawing/2014/main" xmlns="" id="{B77011B7-3583-DE4A-AF20-0754CA7658D4}"/>
               </a:ext>
             </a:extLst>
           </p:cNvPr>
@@ -5548,7 +5552,7 @@
   <p:clrMapOvr>
     <a:masterClrMapping/>
   </p:clrMapOvr>
-  <p:transition spd="slow">
+  <p:transition xmlns:p14="http://schemas.microsoft.com/office/powerpoint/2010/main" spd="slow">
     <p:cut/>
   </p:transition>
 </p:sld>
@@ -5653,7 +5657,7 @@
           <p:cNvPr id="4" name="Picture 3">
             <a:extLst>
               <a:ext uri="{FF2B5EF4-FFF2-40B4-BE49-F238E27FC236}">
-                <a16:creationId xmlns:a16="http://schemas.microsoft.com/office/drawing/2014/main" id="{DBAAC47D-1784-3146-A0DE-138E767CFCD7}"/>
+                <a16:creationId xmlns:a16="http://schemas.microsoft.com/office/drawing/2014/main" xmlns="" id="{DBAAC47D-1784-3146-A0DE-138E767CFCD7}"/>
               </a:ext>
             </a:extLst>
           </p:cNvPr>
@@ -5683,7 +5687,7 @@
           <p:cNvPr id="6" name="TextBox 5">
             <a:extLst>
               <a:ext uri="{FF2B5EF4-FFF2-40B4-BE49-F238E27FC236}">
-                <a16:creationId xmlns:a16="http://schemas.microsoft.com/office/drawing/2014/main" id="{0095E4DA-70EC-C147-A555-B186885710D2}"/>
+                <a16:creationId xmlns:a16="http://schemas.microsoft.com/office/drawing/2014/main" xmlns="" id="{0095E4DA-70EC-C147-A555-B186885710D2}"/>
               </a:ext>
             </a:extLst>
           </p:cNvPr>
@@ -5747,7 +5751,7 @@
   <p:clrMapOvr>
     <a:masterClrMapping/>
   </p:clrMapOvr>
-  <p:transition spd="slow">
+  <p:transition xmlns:p14="http://schemas.microsoft.com/office/powerpoint/2010/main" spd="slow">
     <p:cut/>
   </p:transition>
 </p:sld>
@@ -5931,7 +5935,7 @@
   <p:clrMapOvr>
     <a:masterClrMapping/>
   </p:clrMapOvr>
-  <p:transition spd="slow">
+  <p:transition xmlns:p14="http://schemas.microsoft.com/office/powerpoint/2010/main" spd="slow">
     <p:cut/>
   </p:transition>
 </p:sld>
@@ -6071,7 +6075,7 @@
   <p:clrMapOvr>
     <a:masterClrMapping/>
   </p:clrMapOvr>
-  <p:transition spd="slow">
+  <p:transition xmlns:p14="http://schemas.microsoft.com/office/powerpoint/2010/main" spd="slow">
     <p:cut/>
   </p:transition>
 </p:sld>
@@ -6261,7 +6265,7 @@
   <p:clrMapOvr>
     <a:masterClrMapping/>
   </p:clrMapOvr>
-  <p:transition spd="slow">
+  <p:transition xmlns:p14="http://schemas.microsoft.com/office/powerpoint/2010/main" spd="slow">
     <p:cut/>
   </p:transition>
 </p:sld>
@@ -6488,7 +6492,7 @@
   <p:clrMapOvr>
     <a:masterClrMapping/>
   </p:clrMapOvr>
-  <p:transition spd="slow">
+  <p:transition xmlns:p14="http://schemas.microsoft.com/office/powerpoint/2010/main" spd="slow">
     <p:cut/>
   </p:transition>
 </p:sld>
@@ -6649,7 +6653,7 @@
   <p:clrMapOvr>
     <a:masterClrMapping/>
   </p:clrMapOvr>
-  <p:transition spd="slow">
+  <p:transition xmlns:p14="http://schemas.microsoft.com/office/powerpoint/2010/main" spd="slow">
     <p:cut/>
   </p:transition>
 </p:sld>
@@ -6823,7 +6827,7 @@
   <p:clrMapOvr>
     <a:masterClrMapping/>
   </p:clrMapOvr>
-  <p:transition spd="slow">
+  <p:transition xmlns:p14="http://schemas.microsoft.com/office/powerpoint/2010/main" spd="slow">
     <p:cut/>
   </p:transition>
 </p:sld>
@@ -6967,7 +6971,7 @@
   <p:clrMapOvr>
     <a:masterClrMapping/>
   </p:clrMapOvr>
-  <p:transition spd="slow">
+  <p:transition xmlns:p14="http://schemas.microsoft.com/office/powerpoint/2010/main" spd="slow">
     <p:cut/>
   </p:transition>
 </p:sld>
@@ -7197,7 +7201,7 @@
   <p:clrMapOvr>
     <a:masterClrMapping/>
   </p:clrMapOvr>
-  <p:transition spd="slow">
+  <p:transition xmlns:p14="http://schemas.microsoft.com/office/powerpoint/2010/main" spd="slow">
     <p:cut/>
   </p:transition>
 </p:sld>
@@ -7412,7 +7416,7 @@
   <p:clrMapOvr>
     <a:masterClrMapping/>
   </p:clrMapOvr>
-  <p:transition spd="slow">
+  <p:transition xmlns:p14="http://schemas.microsoft.com/office/powerpoint/2010/main" spd="slow">
     <p:cut/>
   </p:transition>
 </p:sld>
@@ -7557,7 +7561,7 @@
           <p:cNvPr id="4" name="Picture 3">
             <a:extLst>
               <a:ext uri="{FF2B5EF4-FFF2-40B4-BE49-F238E27FC236}">
-                <a16:creationId xmlns:a16="http://schemas.microsoft.com/office/drawing/2014/main" id="{905AF3BD-BF97-6C42-95A6-CA65BC344C1D}"/>
+                <a16:creationId xmlns:a16="http://schemas.microsoft.com/office/drawing/2014/main" xmlns="" id="{905AF3BD-BF97-6C42-95A6-CA65BC344C1D}"/>
               </a:ext>
             </a:extLst>
           </p:cNvPr>
@@ -7592,7 +7596,7 @@
   <p:clrMapOvr>
     <a:masterClrMapping/>
   </p:clrMapOvr>
-  <p:transition spd="slow">
+  <p:transition xmlns:p14="http://schemas.microsoft.com/office/powerpoint/2010/main" spd="slow">
     <p:cut/>
   </p:transition>
 </p:sld>
